--- a/data/授業資料/p04_外積を用いたホーミング処理.pptx
+++ b/data/授業資料/p04_外積を用いたホーミング処理.pptx
@@ -264,7 +264,7 @@
               <a:pPr>
                 <a:defRPr/>
               </a:pPr>
-              <a:t>2017/4/27</a:t>
+              <a:t>2024/9/9</a:t>
             </a:fld>
             <a:endParaRPr lang="ja-JP" altLang="en-US" dirty="0"/>
           </a:p>
@@ -4929,140 +4929,6 @@
               <a:defRPr/>
             </a:pPr>
             <a:r>
-              <a:rPr lang="ja-JP" altLang="en-US" sz="4800" b="1" kern="0" dirty="0" smtClean="0">
-                <a:ln w="22225">
-                  <a:solidFill>
-                    <a:schemeClr val="accent2"/>
-                  </a:solidFill>
-                  <a:prstDash val="solid"/>
-                </a:ln>
-                <a:solidFill>
-                  <a:schemeClr val="accent2">
-                    <a:lumMod val="40000"/>
-                    <a:lumOff val="60000"/>
-                  </a:schemeClr>
-                </a:solidFill>
-              </a:rPr>
-              <a:t>外積を利用して</a:t>
-            </a:r>
-            <a:r>
-              <a:rPr lang="en-US" altLang="ja-JP" sz="4800" b="1" kern="0" dirty="0" smtClean="0">
-                <a:ln w="22225">
-                  <a:solidFill>
-                    <a:schemeClr val="accent2"/>
-                  </a:solidFill>
-                  <a:prstDash val="solid"/>
-                </a:ln>
-                <a:solidFill>
-                  <a:schemeClr val="accent2">
-                    <a:lumMod val="40000"/>
-                    <a:lumOff val="60000"/>
-                  </a:schemeClr>
-                </a:solidFill>
-              </a:rPr>
-              <a:t/>
-            </a:r>
-            <a:br>
-              <a:rPr lang="en-US" altLang="ja-JP" sz="4800" b="1" kern="0" dirty="0" smtClean="0">
-                <a:ln w="22225">
-                  <a:solidFill>
-                    <a:schemeClr val="accent2"/>
-                  </a:solidFill>
-                  <a:prstDash val="solid"/>
-                </a:ln>
-                <a:solidFill>
-                  <a:schemeClr val="accent2">
-                    <a:lumMod val="40000"/>
-                    <a:lumOff val="60000"/>
-                  </a:schemeClr>
-                </a:solidFill>
-              </a:rPr>
-            </a:br>
-            <a:r>
-              <a:rPr lang="en-US" altLang="ja-JP" sz="4800" b="1" kern="0" dirty="0" smtClean="0">
-                <a:ln w="22225">
-                  <a:solidFill>
-                    <a:schemeClr val="accent2"/>
-                  </a:solidFill>
-                  <a:prstDash val="solid"/>
-                </a:ln>
-                <a:solidFill>
-                  <a:schemeClr val="accent2">
-                    <a:lumMod val="40000"/>
-                    <a:lumOff val="60000"/>
-                  </a:schemeClr>
-                </a:solidFill>
-              </a:rPr>
-              <a:t>2D</a:t>
-            </a:r>
-            <a:r>
-              <a:rPr lang="ja-JP" altLang="en-US" sz="4800" b="1" kern="0" dirty="0" err="1" smtClean="0">
-                <a:ln w="22225">
-                  <a:solidFill>
-                    <a:schemeClr val="accent2"/>
-                  </a:solidFill>
-                  <a:prstDash val="solid"/>
-                </a:ln>
-                <a:solidFill>
-                  <a:schemeClr val="accent2">
-                    <a:lumMod val="40000"/>
-                    <a:lumOff val="60000"/>
-                  </a:schemeClr>
-                </a:solidFill>
-              </a:rPr>
-              <a:t>での</a:t>
-            </a:r>
-            <a:r>
-              <a:rPr lang="ja-JP" altLang="en-US" sz="4800" b="1" kern="0" dirty="0" smtClean="0">
-                <a:ln w="22225">
-                  <a:solidFill>
-                    <a:schemeClr val="accent2"/>
-                  </a:solidFill>
-                  <a:prstDash val="solid"/>
-                </a:ln>
-                <a:solidFill>
-                  <a:schemeClr val="accent2">
-                    <a:lumMod val="40000"/>
-                    <a:lumOff val="60000"/>
-                  </a:schemeClr>
-                </a:solidFill>
-              </a:rPr>
-              <a:t>ホーミング弾を</a:t>
-            </a:r>
-            <a:r>
-              <a:rPr lang="en-US" altLang="ja-JP" sz="4800" b="1" kern="0" dirty="0" smtClean="0">
-                <a:ln w="22225">
-                  <a:solidFill>
-                    <a:schemeClr val="accent2"/>
-                  </a:solidFill>
-                  <a:prstDash val="solid"/>
-                </a:ln>
-                <a:solidFill>
-                  <a:schemeClr val="accent2">
-                    <a:lumMod val="40000"/>
-                    <a:lumOff val="60000"/>
-                  </a:schemeClr>
-                </a:solidFill>
-              </a:rPr>
-              <a:t/>
-            </a:r>
-            <a:br>
-              <a:rPr lang="en-US" altLang="ja-JP" sz="4800" b="1" kern="0" dirty="0" smtClean="0">
-                <a:ln w="22225">
-                  <a:solidFill>
-                    <a:schemeClr val="accent2"/>
-                  </a:solidFill>
-                  <a:prstDash val="solid"/>
-                </a:ln>
-                <a:solidFill>
-                  <a:schemeClr val="accent2">
-                    <a:lumMod val="40000"/>
-                    <a:lumOff val="60000"/>
-                  </a:schemeClr>
-                </a:solidFill>
-              </a:rPr>
-            </a:br>
-            <a:r>
               <a:rPr lang="ja-JP" altLang="en-US" sz="4800" b="1" kern="0" dirty="0">
                 <a:ln w="22225">
                   <a:solidFill>
@@ -5077,10 +4943,10 @@
                   </a:schemeClr>
                 </a:solidFill>
               </a:rPr>
-              <a:t>移動</a:t>
-            </a:r>
-            <a:r>
-              <a:rPr lang="ja-JP" altLang="en-US" sz="4800" b="1" kern="0" dirty="0" smtClean="0">
+              <a:t>外積を利用して</a:t>
+            </a:r>
+            <a:br>
+              <a:rPr lang="en-US" altLang="ja-JP" sz="4800" b="1" kern="0" dirty="0">
                 <a:ln w="22225">
                   <a:solidFill>
                     <a:schemeClr val="accent2"/>
@@ -5094,7 +4960,90 @@
                   </a:schemeClr>
                 </a:solidFill>
               </a:rPr>
-              <a:t>させる事ができる</a:t>
+            </a:br>
+            <a:r>
+              <a:rPr lang="en-US" altLang="ja-JP" sz="4800" b="1" kern="0" dirty="0">
+                <a:ln w="22225">
+                  <a:solidFill>
+                    <a:schemeClr val="accent2"/>
+                  </a:solidFill>
+                  <a:prstDash val="solid"/>
+                </a:ln>
+                <a:solidFill>
+                  <a:schemeClr val="accent2">
+                    <a:lumMod val="40000"/>
+                    <a:lumOff val="60000"/>
+                  </a:schemeClr>
+                </a:solidFill>
+              </a:rPr>
+              <a:t>2D</a:t>
+            </a:r>
+            <a:r>
+              <a:rPr lang="ja-JP" altLang="en-US" sz="4800" b="1" kern="0" dirty="0" err="1">
+                <a:ln w="22225">
+                  <a:solidFill>
+                    <a:schemeClr val="accent2"/>
+                  </a:solidFill>
+                  <a:prstDash val="solid"/>
+                </a:ln>
+                <a:solidFill>
+                  <a:schemeClr val="accent2">
+                    <a:lumMod val="40000"/>
+                    <a:lumOff val="60000"/>
+                  </a:schemeClr>
+                </a:solidFill>
+              </a:rPr>
+              <a:t>での</a:t>
+            </a:r>
+            <a:r>
+              <a:rPr lang="ja-JP" altLang="en-US" sz="4800" b="1" kern="0" dirty="0">
+                <a:ln w="22225">
+                  <a:solidFill>
+                    <a:schemeClr val="accent2"/>
+                  </a:solidFill>
+                  <a:prstDash val="solid"/>
+                </a:ln>
+                <a:solidFill>
+                  <a:schemeClr val="accent2">
+                    <a:lumMod val="40000"/>
+                    <a:lumOff val="60000"/>
+                  </a:schemeClr>
+                </a:solidFill>
+              </a:rPr>
+              <a:t>ホーミング弾を</a:t>
+            </a:r>
+            <a:br>
+              <a:rPr lang="en-US" altLang="ja-JP" sz="4800" b="1" kern="0" dirty="0">
+                <a:ln w="22225">
+                  <a:solidFill>
+                    <a:schemeClr val="accent2"/>
+                  </a:solidFill>
+                  <a:prstDash val="solid"/>
+                </a:ln>
+                <a:solidFill>
+                  <a:schemeClr val="accent2">
+                    <a:lumMod val="40000"/>
+                    <a:lumOff val="60000"/>
+                  </a:schemeClr>
+                </a:solidFill>
+              </a:rPr>
+            </a:br>
+            <a:r>
+              <a:rPr lang="ja-JP" altLang="en-US" sz="4800" b="1" kern="0" dirty="0">
+                <a:ln w="22225">
+                  <a:solidFill>
+                    <a:schemeClr val="accent2"/>
+                  </a:solidFill>
+                  <a:prstDash val="solid"/>
+                </a:ln>
+                <a:solidFill>
+                  <a:schemeClr val="accent2">
+                    <a:lumMod val="40000"/>
+                    <a:lumOff val="60000"/>
+                  </a:schemeClr>
+                </a:solidFill>
+              </a:rPr>
+              <a:t>移動させる事ができる</a:t>
             </a:r>
             <a:endParaRPr lang="en-US" altLang="ja-JP" sz="4800" b="1" kern="0" dirty="0">
               <a:ln w="22225">
@@ -5193,27 +5142,11 @@
             <a:pPr eaLnBrk="1" hangingPunct="1"/>
             <a:r>
               <a:rPr lang="en-US" altLang="ja-JP" dirty="0"/>
-              <a:t>3</a:t>
-            </a:r>
-            <a:r>
-              <a:rPr lang="en-US" altLang="ja-JP" dirty="0" smtClean="0"/>
-              <a:t> </a:t>
-            </a:r>
-            <a:r>
-              <a:rPr lang="ja-JP" altLang="en-US" dirty="0" smtClean="0"/>
-              <a:t>外</a:t>
+              <a:t>3 </a:t>
             </a:r>
             <a:r>
               <a:rPr lang="ja-JP" altLang="en-US" dirty="0"/>
-              <a:t>積</a:t>
-            </a:r>
-            <a:r>
-              <a:rPr lang="ja-JP" altLang="en-US" dirty="0" smtClean="0"/>
-              <a:t>を用いたホーミング</a:t>
-            </a:r>
-            <a:r>
-              <a:rPr lang="ja-JP" altLang="en-US" dirty="0"/>
-              <a:t>処理</a:t>
+              <a:t>外積を用いたホーミング処理</a:t>
             </a:r>
           </a:p>
         </p:txBody>
@@ -5387,31 +5320,31 @@
               <a:defRPr/>
             </a:pPr>
             <a:r>
-              <a:rPr lang="en-US" altLang="ja-JP" sz="2263" b="1" dirty="0" smtClean="0"/>
+              <a:rPr lang="en-US" altLang="ja-JP" sz="2263" b="1" dirty="0"/>
               <a:t>2D</a:t>
             </a:r>
             <a:r>
-              <a:rPr lang="ja-JP" altLang="en-US" sz="2263" b="1" dirty="0" err="1" smtClean="0"/>
+              <a:rPr lang="ja-JP" altLang="en-US" sz="2263" b="1" dirty="0" err="1"/>
               <a:t>での</a:t>
             </a:r>
             <a:r>
-              <a:rPr lang="ja-JP" altLang="en-US" sz="2263" b="1" dirty="0" smtClean="0"/>
+              <a:rPr lang="ja-JP" altLang="en-US" sz="2263" b="1" dirty="0"/>
               <a:t>外積は、</a:t>
             </a:r>
             <a:r>
-              <a:rPr lang="en-US" altLang="ja-JP" sz="2263" b="1" dirty="0" smtClean="0"/>
+              <a:rPr lang="en-US" altLang="ja-JP" sz="2263" b="1" dirty="0"/>
               <a:t>2</a:t>
             </a:r>
             <a:r>
-              <a:rPr lang="ja-JP" altLang="en-US" sz="2263" b="1" dirty="0" err="1" smtClean="0"/>
+              <a:rPr lang="ja-JP" altLang="en-US" sz="2263" b="1" dirty="0" err="1"/>
               <a:t>つの</a:t>
             </a:r>
             <a:r>
-              <a:rPr lang="ja-JP" altLang="en-US" sz="2263" b="1" dirty="0" smtClean="0"/>
+              <a:rPr lang="ja-JP" altLang="en-US" sz="2263" b="1" dirty="0"/>
               <a:t>ベクトルがなす</a:t>
             </a:r>
             <a:r>
-              <a:rPr lang="en-US" altLang="ja-JP" sz="2263" b="1" dirty="0" err="1" smtClean="0">
+              <a:rPr lang="en-US" altLang="ja-JP" sz="2263" b="1" dirty="0" err="1">
                 <a:solidFill>
                   <a:srgbClr val="FF0000"/>
                 </a:solidFill>
@@ -5419,7 +5352,7 @@
               <a:t>sinθ</a:t>
             </a:r>
             <a:r>
-              <a:rPr lang="ja-JP" altLang="en-US" sz="2263" b="1" dirty="0" smtClean="0"/>
+              <a:rPr lang="ja-JP" altLang="en-US" sz="2263" b="1" dirty="0"/>
               <a:t>を求める事が可能。</a:t>
             </a:r>
             <a:endParaRPr lang="en-US" altLang="ja-JP" sz="2263" b="1" dirty="0"/>
@@ -5468,49 +5401,40 @@
               <a:defRPr/>
             </a:pPr>
             <a:r>
-              <a:rPr lang="ja-JP" altLang="en-US" sz="2000" b="1" dirty="0" smtClean="0">
+              <a:rPr lang="ja-JP" altLang="en-US" sz="2000" b="1" dirty="0">
                 <a:latin typeface="ＭＳ Ｐゴシック"/>
               </a:rPr>
               <a:t>これを使えば</a:t>
             </a:r>
             <a:r>
-              <a:rPr lang="en-US" altLang="ja-JP" sz="2000" b="1" dirty="0" smtClean="0">
+              <a:rPr lang="en-US" altLang="ja-JP" sz="2000" b="1" dirty="0">
                 <a:latin typeface="ＭＳ Ｐゴシック"/>
               </a:rPr>
               <a:t>2</a:t>
             </a:r>
             <a:r>
-              <a:rPr lang="ja-JP" altLang="en-US" sz="2000" b="1" dirty="0" err="1" smtClean="0">
+              <a:rPr lang="ja-JP" altLang="en-US" sz="2000" b="1" dirty="0" err="1">
                 <a:latin typeface="ＭＳ Ｐゴシック"/>
               </a:rPr>
               <a:t>つの</a:t>
             </a:r>
             <a:r>
-              <a:rPr lang="ja-JP" altLang="en-US" sz="2000" b="1" dirty="0" smtClean="0">
+              <a:rPr lang="ja-JP" altLang="en-US" sz="2000" b="1" dirty="0">
                 <a:latin typeface="ＭＳ Ｐゴシック"/>
               </a:rPr>
               <a:t>ベクトルがなす</a:t>
             </a:r>
-            <a:r>
-              <a:rPr lang="en-US" altLang="ja-JP" sz="2000" b="1" dirty="0" smtClean="0">
-                <a:latin typeface="ＭＳ Ｐゴシック"/>
-              </a:rPr>
-              <a:t/>
-            </a:r>
             <a:br>
-              <a:rPr lang="en-US" altLang="ja-JP" sz="2000" b="1" dirty="0" smtClean="0">
+              <a:rPr lang="en-US" altLang="ja-JP" sz="2000" b="1" dirty="0">
                 <a:latin typeface="ＭＳ Ｐゴシック"/>
               </a:rPr>
             </a:br>
             <a:r>
-              <a:rPr lang="ja-JP" altLang="en-US" sz="2000" b="1" dirty="0" smtClean="0">
+              <a:rPr lang="ja-JP" altLang="en-US" sz="2000" b="1" dirty="0">
                 <a:latin typeface="ＭＳ Ｐゴシック"/>
               </a:rPr>
               <a:t>角度を求める事ができるぞ！</a:t>
             </a:r>
-            <a:endParaRPr lang="ja-JP" altLang="en-US" sz="2000" b="1" dirty="0">
-              <a:latin typeface="ＭＳ Ｐゴシック"/>
-            </a:endParaRPr>
           </a:p>
         </p:txBody>
       </p:sp>
@@ -5586,47 +5510,35 @@
               <a:defRPr/>
             </a:pPr>
             <a:r>
-              <a:rPr lang="ja-JP" altLang="en-US" sz="2000" b="1" dirty="0" smtClean="0">
+              <a:rPr lang="ja-JP" altLang="en-US" sz="2000" b="1" dirty="0">
                 <a:latin typeface="ＭＳ Ｐゴシック"/>
               </a:rPr>
               <a:t>ちょっと待って、角度を求めるのは</a:t>
             </a:r>
-            <a:r>
-              <a:rPr lang="en-US" altLang="ja-JP" sz="2000" b="1" dirty="0" smtClean="0">
-                <a:latin typeface="ＭＳ Ｐゴシック"/>
-              </a:rPr>
-              <a:t/>
-            </a:r>
             <a:br>
-              <a:rPr lang="en-US" altLang="ja-JP" sz="2000" b="1" dirty="0" smtClean="0">
+              <a:rPr lang="en-US" altLang="ja-JP" sz="2000" b="1" dirty="0">
                 <a:latin typeface="ＭＳ Ｐゴシック"/>
               </a:rPr>
             </a:br>
             <a:r>
-              <a:rPr lang="ja-JP" altLang="en-US" sz="2000" b="1" dirty="0" smtClean="0">
+              <a:rPr lang="ja-JP" altLang="en-US" sz="2000" b="1" dirty="0">
                 <a:latin typeface="ＭＳ Ｐゴシック"/>
               </a:rPr>
               <a:t>他の方法でも可能よ。</a:t>
             </a:r>
-            <a:r>
-              <a:rPr lang="en-US" altLang="ja-JP" sz="2000" b="1" dirty="0" smtClean="0">
-                <a:latin typeface="ＭＳ Ｐゴシック"/>
-              </a:rPr>
-              <a:t/>
-            </a:r>
             <a:br>
-              <a:rPr lang="en-US" altLang="ja-JP" sz="2000" b="1" dirty="0" smtClean="0">
+              <a:rPr lang="en-US" altLang="ja-JP" sz="2000" b="1" dirty="0">
                 <a:latin typeface="ＭＳ Ｐゴシック"/>
               </a:rPr>
             </a:br>
             <a:r>
-              <a:rPr lang="ja-JP" altLang="en-US" sz="2000" b="1" dirty="0" smtClean="0">
+              <a:rPr lang="ja-JP" altLang="en-US" sz="2000" b="1" dirty="0">
                 <a:latin typeface="ＭＳ Ｐゴシック"/>
               </a:rPr>
               <a:t>これはあまり役に立たないのでは</a:t>
             </a:r>
             <a:r>
-              <a:rPr lang="en-US" altLang="ja-JP" sz="2000" b="1" dirty="0" smtClean="0">
+              <a:rPr lang="en-US" altLang="ja-JP" sz="2000" b="1" dirty="0">
                 <a:latin typeface="ＭＳ Ｐゴシック"/>
               </a:rPr>
               <a:t>?</a:t>
@@ -5806,7 +5718,7 @@
               <a:defRPr/>
             </a:pPr>
             <a:r>
-              <a:rPr lang="en-US" altLang="ja-JP" sz="3600" b="1" dirty="0" err="1" smtClean="0">
+              <a:rPr lang="en-US" altLang="ja-JP" sz="3600" b="1" dirty="0" err="1">
                 <a:solidFill>
                   <a:srgbClr val="FF0000"/>
                 </a:solidFill>
@@ -5822,7 +5734,7 @@
               <a:t> </a:t>
             </a:r>
             <a:r>
-              <a:rPr lang="en-US" altLang="ja-JP" sz="3600" b="1" dirty="0" smtClean="0">
+              <a:rPr lang="en-US" altLang="ja-JP" sz="3600" b="1" dirty="0">
                 <a:solidFill>
                   <a:srgbClr val="FF0000"/>
                 </a:solidFill>
@@ -5838,7 +5750,7 @@
               <a:t> </a:t>
             </a:r>
             <a:r>
-              <a:rPr lang="en-US" altLang="ja-JP" sz="3600" b="1" dirty="0" smtClean="0">
+              <a:rPr lang="en-US" altLang="ja-JP" sz="3600" b="1" dirty="0">
                 <a:solidFill>
                   <a:srgbClr val="FF0000"/>
                 </a:solidFill>
@@ -5846,7 +5758,7 @@
               <a:t>by – </a:t>
             </a:r>
             <a:r>
-              <a:rPr lang="en-US" altLang="ja-JP" sz="3600" b="1" dirty="0" err="1" smtClean="0">
+              <a:rPr lang="en-US" altLang="ja-JP" sz="3600" b="1" dirty="0" err="1">
                 <a:solidFill>
                   <a:srgbClr val="FF0000"/>
                 </a:solidFill>
@@ -5854,7 +5766,7 @@
               <a:t>bx</a:t>
             </a:r>
             <a:r>
-              <a:rPr lang="en-US" altLang="ja-JP" sz="3600" b="1" dirty="0" smtClean="0">
+              <a:rPr lang="en-US" altLang="ja-JP" sz="3600" b="1" dirty="0">
                 <a:solidFill>
                   <a:srgbClr val="FF0000"/>
                 </a:solidFill>
@@ -5862,31 +5774,15 @@
               <a:t> × ay</a:t>
             </a:r>
             <a:br>
-              <a:rPr lang="en-US" altLang="ja-JP" sz="3600" b="1" dirty="0" smtClean="0">
+              <a:rPr lang="en-US" altLang="ja-JP" sz="3600" b="1" dirty="0">
                 <a:solidFill>
                   <a:srgbClr val="FF0000"/>
                 </a:solidFill>
               </a:rPr>
             </a:br>
             <a:r>
-              <a:rPr lang="ja-JP" altLang="en-US" sz="2000" b="1" dirty="0" smtClean="0"/>
-              <a:t>（</a:t>
-            </a:r>
-            <a:r>
               <a:rPr lang="ja-JP" altLang="en-US" sz="2000" b="1" dirty="0"/>
-              <a:t>二</a:t>
-            </a:r>
-            <a:r>
-              <a:rPr lang="ja-JP" altLang="en-US" sz="2000" b="1" dirty="0" smtClean="0"/>
-              <a:t>つの</a:t>
-            </a:r>
-            <a:r>
-              <a:rPr lang="ja-JP" altLang="en-US" sz="2000" b="1" dirty="0"/>
-              <a:t>ベクトル</a:t>
-            </a:r>
-            <a:r>
-              <a:rPr lang="ja-JP" altLang="en-US" sz="2000" b="1" dirty="0" smtClean="0"/>
-              <a:t>は正規化が必要）</a:t>
+              <a:t>（二つのベクトルは正規化が必要）</a:t>
             </a:r>
             <a:endParaRPr lang="en-US" altLang="ja-JP" sz="3600" b="1" dirty="0"/>
           </a:p>
@@ -5897,13 +5793,6 @@
   <p:clrMapOvr>
     <a:masterClrMapping/>
   </p:clrMapOvr>
-  <p:timing>
-    <p:tnLst>
-      <p:par>
-        <p:cTn id="1" dur="indefinite" restart="never" nodeType="tmRoot"/>
-      </p:par>
-    </p:tnLst>
-  </p:timing>
 </p:sld>
 </file>
 
@@ -6093,11 +5982,11 @@
               <a:defRPr/>
             </a:pPr>
             <a:r>
-              <a:rPr lang="en-US" altLang="ja-JP" sz="2263" b="1" dirty="0" err="1" smtClean="0"/>
+              <a:rPr lang="en-US" altLang="ja-JP" sz="2263" b="1" dirty="0" err="1"/>
               <a:t>sinθ</a:t>
             </a:r>
             <a:r>
-              <a:rPr lang="ja-JP" altLang="en-US" sz="2263" b="1" dirty="0" smtClean="0"/>
+              <a:rPr lang="ja-JP" altLang="en-US" sz="2263" b="1" dirty="0"/>
               <a:t>を利用する最大の利点は、以下の表の特徴を使うことである。</a:t>
             </a:r>
             <a:endParaRPr lang="en-US" altLang="ja-JP" sz="2263" b="1" dirty="0"/>
@@ -6129,16 +6018,76 @@
                 <a:tableStyleId>{C4B1156A-380E-4F78-BDF5-A606A8083BF9}</a:tableStyleId>
               </a:tblPr>
               <a:tblGrid>
-                <a:gridCol w="878497"/>
-                <a:gridCol w="878497"/>
-                <a:gridCol w="878497"/>
-                <a:gridCol w="878497"/>
-                <a:gridCol w="878497"/>
-                <a:gridCol w="878497"/>
-                <a:gridCol w="878497"/>
-                <a:gridCol w="878497"/>
-                <a:gridCol w="878497"/>
-                <a:gridCol w="878497"/>
+                <a:gridCol w="878497">
+                  <a:extLst>
+                    <a:ext uri="{9D8B030D-6E8A-4147-A177-3AD203B41FA5}">
+                      <a16:colId xmlns:a16="http://schemas.microsoft.com/office/drawing/2014/main" val="20000"/>
+                    </a:ext>
+                  </a:extLst>
+                </a:gridCol>
+                <a:gridCol w="878497">
+                  <a:extLst>
+                    <a:ext uri="{9D8B030D-6E8A-4147-A177-3AD203B41FA5}">
+                      <a16:colId xmlns:a16="http://schemas.microsoft.com/office/drawing/2014/main" val="20001"/>
+                    </a:ext>
+                  </a:extLst>
+                </a:gridCol>
+                <a:gridCol w="878497">
+                  <a:extLst>
+                    <a:ext uri="{9D8B030D-6E8A-4147-A177-3AD203B41FA5}">
+                      <a16:colId xmlns:a16="http://schemas.microsoft.com/office/drawing/2014/main" val="20002"/>
+                    </a:ext>
+                  </a:extLst>
+                </a:gridCol>
+                <a:gridCol w="878497">
+                  <a:extLst>
+                    <a:ext uri="{9D8B030D-6E8A-4147-A177-3AD203B41FA5}">
+                      <a16:colId xmlns:a16="http://schemas.microsoft.com/office/drawing/2014/main" val="20003"/>
+                    </a:ext>
+                  </a:extLst>
+                </a:gridCol>
+                <a:gridCol w="878497">
+                  <a:extLst>
+                    <a:ext uri="{9D8B030D-6E8A-4147-A177-3AD203B41FA5}">
+                      <a16:colId xmlns:a16="http://schemas.microsoft.com/office/drawing/2014/main" val="20004"/>
+                    </a:ext>
+                  </a:extLst>
+                </a:gridCol>
+                <a:gridCol w="878497">
+                  <a:extLst>
+                    <a:ext uri="{9D8B030D-6E8A-4147-A177-3AD203B41FA5}">
+                      <a16:colId xmlns:a16="http://schemas.microsoft.com/office/drawing/2014/main" val="20005"/>
+                    </a:ext>
+                  </a:extLst>
+                </a:gridCol>
+                <a:gridCol w="878497">
+                  <a:extLst>
+                    <a:ext uri="{9D8B030D-6E8A-4147-A177-3AD203B41FA5}">
+                      <a16:colId xmlns:a16="http://schemas.microsoft.com/office/drawing/2014/main" val="20006"/>
+                    </a:ext>
+                  </a:extLst>
+                </a:gridCol>
+                <a:gridCol w="878497">
+                  <a:extLst>
+                    <a:ext uri="{9D8B030D-6E8A-4147-A177-3AD203B41FA5}">
+                      <a16:colId xmlns:a16="http://schemas.microsoft.com/office/drawing/2014/main" val="20007"/>
+                    </a:ext>
+                  </a:extLst>
+                </a:gridCol>
+                <a:gridCol w="878497">
+                  <a:extLst>
+                    <a:ext uri="{9D8B030D-6E8A-4147-A177-3AD203B41FA5}">
+                      <a16:colId xmlns:a16="http://schemas.microsoft.com/office/drawing/2014/main" val="20008"/>
+                    </a:ext>
+                  </a:extLst>
+                </a:gridCol>
+                <a:gridCol w="878497">
+                  <a:extLst>
+                    <a:ext uri="{9D8B030D-6E8A-4147-A177-3AD203B41FA5}">
+                      <a16:colId xmlns:a16="http://schemas.microsoft.com/office/drawing/2014/main" val="20009"/>
+                    </a:ext>
+                  </a:extLst>
+                </a:gridCol>
               </a:tblGrid>
               <a:tr h="475940">
                 <a:tc>
@@ -6148,10 +6097,9 @@
                     <a:p>
                       <a:pPr algn="ctr"/>
                       <a:r>
-                        <a:rPr kumimoji="1" lang="ja-JP" altLang="en-US" dirty="0" smtClean="0"/>
+                        <a:rPr kumimoji="1" lang="ja-JP" altLang="en-US" dirty="0"/>
                         <a:t>角度</a:t>
                       </a:r>
-                      <a:endParaRPr kumimoji="1" lang="ja-JP" altLang="en-US" dirty="0"/>
                     </a:p>
                   </a:txBody>
                   <a:tcPr>
@@ -6203,14 +6151,13 @@
                     <a:p>
                       <a:pPr algn="ctr"/>
                       <a:r>
-                        <a:rPr kumimoji="1" lang="en-US" altLang="ja-JP" dirty="0" smtClean="0"/>
+                        <a:rPr kumimoji="1" lang="en-US" altLang="ja-JP" dirty="0"/>
                         <a:t>0</a:t>
                       </a:r>
                       <a:r>
-                        <a:rPr kumimoji="1" lang="ja-JP" altLang="en-US" dirty="0" smtClean="0"/>
+                        <a:rPr kumimoji="1" lang="ja-JP" altLang="en-US" dirty="0"/>
                         <a:t>度</a:t>
                       </a:r>
-                      <a:endParaRPr kumimoji="1" lang="ja-JP" altLang="en-US" dirty="0"/>
                     </a:p>
                   </a:txBody>
                   <a:tcPr>
@@ -6262,14 +6209,13 @@
                     <a:p>
                       <a:pPr algn="ctr"/>
                       <a:r>
-                        <a:rPr kumimoji="1" lang="en-US" altLang="ja-JP" dirty="0" smtClean="0"/>
+                        <a:rPr kumimoji="1" lang="en-US" altLang="ja-JP" dirty="0"/>
                         <a:t>45</a:t>
                       </a:r>
                       <a:r>
-                        <a:rPr kumimoji="1" lang="ja-JP" altLang="en-US" dirty="0" smtClean="0"/>
+                        <a:rPr kumimoji="1" lang="ja-JP" altLang="en-US" dirty="0"/>
                         <a:t>度</a:t>
                       </a:r>
-                      <a:endParaRPr kumimoji="1" lang="ja-JP" altLang="en-US" dirty="0"/>
                     </a:p>
                   </a:txBody>
                   <a:tcPr>
@@ -6321,14 +6267,13 @@
                     <a:p>
                       <a:pPr algn="ctr"/>
                       <a:r>
-                        <a:rPr kumimoji="1" lang="en-US" altLang="ja-JP" dirty="0" smtClean="0"/>
+                        <a:rPr kumimoji="1" lang="en-US" altLang="ja-JP" dirty="0"/>
                         <a:t>90</a:t>
                       </a:r>
                       <a:r>
-                        <a:rPr kumimoji="1" lang="ja-JP" altLang="en-US" dirty="0" smtClean="0"/>
+                        <a:rPr kumimoji="1" lang="ja-JP" altLang="en-US" dirty="0"/>
                         <a:t>度</a:t>
                       </a:r>
-                      <a:endParaRPr kumimoji="1" lang="ja-JP" altLang="en-US" dirty="0"/>
                     </a:p>
                   </a:txBody>
                   <a:tcPr>
@@ -6380,14 +6325,13 @@
                     <a:p>
                       <a:pPr algn="ctr"/>
                       <a:r>
-                        <a:rPr kumimoji="1" lang="en-US" altLang="ja-JP" dirty="0" smtClean="0"/>
+                        <a:rPr kumimoji="1" lang="en-US" altLang="ja-JP" dirty="0"/>
                         <a:t>135</a:t>
                       </a:r>
                       <a:r>
-                        <a:rPr kumimoji="1" lang="ja-JP" altLang="en-US" dirty="0" smtClean="0"/>
+                        <a:rPr kumimoji="1" lang="ja-JP" altLang="en-US" dirty="0"/>
                         <a:t>度</a:t>
                       </a:r>
-                      <a:endParaRPr kumimoji="1" lang="ja-JP" altLang="en-US" dirty="0"/>
                     </a:p>
                   </a:txBody>
                   <a:tcPr>
@@ -6439,14 +6383,13 @@
                     <a:p>
                       <a:pPr algn="ctr"/>
                       <a:r>
-                        <a:rPr kumimoji="1" lang="en-US" altLang="ja-JP" dirty="0" smtClean="0"/>
+                        <a:rPr kumimoji="1" lang="en-US" altLang="ja-JP" dirty="0"/>
                         <a:t>180</a:t>
                       </a:r>
                       <a:r>
-                        <a:rPr kumimoji="1" lang="ja-JP" altLang="en-US" dirty="0" smtClean="0"/>
+                        <a:rPr kumimoji="1" lang="ja-JP" altLang="en-US" dirty="0"/>
                         <a:t>度</a:t>
                       </a:r>
-                      <a:endParaRPr kumimoji="1" lang="ja-JP" altLang="en-US" dirty="0"/>
                     </a:p>
                   </a:txBody>
                   <a:tcPr>
@@ -6498,14 +6441,13 @@
                     <a:p>
                       <a:pPr algn="ctr"/>
                       <a:r>
-                        <a:rPr kumimoji="1" lang="en-US" altLang="ja-JP" dirty="0" smtClean="0"/>
+                        <a:rPr kumimoji="1" lang="en-US" altLang="ja-JP" dirty="0"/>
                         <a:t>225</a:t>
                       </a:r>
                       <a:r>
-                        <a:rPr kumimoji="1" lang="ja-JP" altLang="en-US" dirty="0" smtClean="0"/>
+                        <a:rPr kumimoji="1" lang="ja-JP" altLang="en-US" dirty="0"/>
                         <a:t>度</a:t>
                       </a:r>
-                      <a:endParaRPr kumimoji="1" lang="ja-JP" altLang="en-US" dirty="0"/>
                     </a:p>
                   </a:txBody>
                   <a:tcPr>
@@ -6557,14 +6499,13 @@
                     <a:p>
                       <a:pPr algn="ctr"/>
                       <a:r>
-                        <a:rPr kumimoji="1" lang="en-US" altLang="ja-JP" dirty="0" smtClean="0"/>
+                        <a:rPr kumimoji="1" lang="en-US" altLang="ja-JP" dirty="0"/>
                         <a:t>270</a:t>
                       </a:r>
                       <a:r>
-                        <a:rPr kumimoji="1" lang="ja-JP" altLang="en-US" dirty="0" smtClean="0"/>
+                        <a:rPr kumimoji="1" lang="ja-JP" altLang="en-US" dirty="0"/>
                         <a:t>度</a:t>
                       </a:r>
-                      <a:endParaRPr kumimoji="1" lang="ja-JP" altLang="en-US" dirty="0"/>
                     </a:p>
                   </a:txBody>
                   <a:tcPr>
@@ -6616,14 +6557,13 @@
                     <a:p>
                       <a:pPr algn="ctr"/>
                       <a:r>
-                        <a:rPr kumimoji="1" lang="en-US" altLang="ja-JP" dirty="0" smtClean="0"/>
+                        <a:rPr kumimoji="1" lang="en-US" altLang="ja-JP" dirty="0"/>
                         <a:t>315</a:t>
                       </a:r>
                       <a:r>
-                        <a:rPr kumimoji="1" lang="ja-JP" altLang="en-US" dirty="0" smtClean="0"/>
+                        <a:rPr kumimoji="1" lang="ja-JP" altLang="en-US" dirty="0"/>
                         <a:t>度</a:t>
                       </a:r>
-                      <a:endParaRPr kumimoji="1" lang="ja-JP" altLang="en-US" dirty="0"/>
                     </a:p>
                   </a:txBody>
                   <a:tcPr>
@@ -6675,14 +6615,13 @@
                     <a:p>
                       <a:pPr algn="ctr"/>
                       <a:r>
-                        <a:rPr kumimoji="1" lang="en-US" altLang="ja-JP" dirty="0" smtClean="0"/>
+                        <a:rPr kumimoji="1" lang="en-US" altLang="ja-JP" dirty="0"/>
                         <a:t>360</a:t>
                       </a:r>
                       <a:r>
-                        <a:rPr kumimoji="1" lang="ja-JP" altLang="en-US" dirty="0" smtClean="0"/>
+                        <a:rPr kumimoji="1" lang="ja-JP" altLang="en-US" dirty="0"/>
                         <a:t>度</a:t>
                       </a:r>
-                      <a:endParaRPr kumimoji="1" lang="ja-JP" altLang="en-US" dirty="0"/>
                     </a:p>
                   </a:txBody>
                   <a:tcPr>
@@ -6727,6 +6666,11 @@
                     </a:solidFill>
                   </a:tcPr>
                 </a:tc>
+                <a:extLst>
+                  <a:ext uri="{0D108BD9-81ED-4DB2-BD59-A6C34878D82A}">
+                    <a16:rowId xmlns:a16="http://schemas.microsoft.com/office/drawing/2014/main" val="10000"/>
+                  </a:ext>
+                </a:extLst>
               </a:tr>
               <a:tr h="475940">
                 <a:tc>
@@ -6736,7 +6680,7 @@
                     <a:p>
                       <a:pPr algn="ctr"/>
                       <a:r>
-                        <a:rPr kumimoji="1" lang="en-US" altLang="ja-JP" sz="1600" b="1" dirty="0" err="1" smtClean="0"/>
+                        <a:rPr kumimoji="1" lang="en-US" altLang="ja-JP" sz="1600" b="1" dirty="0" err="1"/>
                         <a:t>sinθ</a:t>
                       </a:r>
                       <a:endParaRPr kumimoji="1" lang="ja-JP" altLang="en-US" sz="1600" b="1" dirty="0"/>
@@ -6791,7 +6735,7 @@
                     <a:p>
                       <a:pPr algn="ctr"/>
                       <a:r>
-                        <a:rPr kumimoji="1" lang="en-US" altLang="ja-JP" sz="1600" b="1" dirty="0" smtClean="0"/>
+                        <a:rPr kumimoji="1" lang="en-US" altLang="ja-JP" sz="1600" b="1" dirty="0"/>
                         <a:t>0</a:t>
                       </a:r>
                       <a:endParaRPr kumimoji="1" lang="ja-JP" altLang="en-US" sz="1600" b="1" dirty="0"/>
@@ -6846,7 +6790,7 @@
                     <a:p>
                       <a:pPr algn="ctr"/>
                       <a:r>
-                        <a:rPr kumimoji="1" lang="en-US" altLang="ja-JP" sz="1600" b="1" dirty="0" smtClean="0">
+                        <a:rPr kumimoji="1" lang="en-US" altLang="ja-JP" sz="1600" b="1" dirty="0">
                           <a:solidFill>
                             <a:srgbClr val="FF0000"/>
                           </a:solidFill>
@@ -6909,7 +6853,7 @@
                     <a:p>
                       <a:pPr algn="ctr"/>
                       <a:r>
-                        <a:rPr kumimoji="1" lang="en-US" altLang="ja-JP" sz="1600" b="1" dirty="0" smtClean="0">
+                        <a:rPr kumimoji="1" lang="en-US" altLang="ja-JP" sz="1600" b="1" dirty="0">
                           <a:solidFill>
                             <a:srgbClr val="FF0000"/>
                           </a:solidFill>
@@ -6988,14 +6932,14 @@
                         <a:defRPr/>
                       </a:pPr>
                       <a:r>
-                        <a:rPr kumimoji="1" lang="en-US" altLang="ja-JP" sz="1600" b="1" dirty="0" smtClean="0">
+                        <a:rPr kumimoji="1" lang="en-US" altLang="ja-JP" sz="1600" b="1" dirty="0">
                           <a:solidFill>
                             <a:srgbClr val="FF0000"/>
                           </a:solidFill>
                         </a:rPr>
                         <a:t>0.7071</a:t>
                       </a:r>
-                      <a:endParaRPr kumimoji="1" lang="ja-JP" altLang="en-US" sz="1600" b="1" dirty="0" smtClean="0">
+                      <a:endParaRPr kumimoji="1" lang="ja-JP" altLang="en-US" sz="1600" b="1" dirty="0">
                         <a:solidFill>
                           <a:srgbClr val="FF0000"/>
                         </a:solidFill>
@@ -7051,7 +6995,7 @@
                     <a:p>
                       <a:pPr algn="ctr"/>
                       <a:r>
-                        <a:rPr kumimoji="1" lang="en-US" altLang="ja-JP" sz="1600" b="1" dirty="0" smtClean="0"/>
+                        <a:rPr kumimoji="1" lang="en-US" altLang="ja-JP" sz="1600" b="1" dirty="0"/>
                         <a:t>0</a:t>
                       </a:r>
                       <a:endParaRPr kumimoji="1" lang="ja-JP" altLang="en-US" sz="1600" b="1" dirty="0"/>
@@ -7122,14 +7066,14 @@
                         <a:defRPr/>
                       </a:pPr>
                       <a:r>
-                        <a:rPr kumimoji="1" lang="en-US" altLang="ja-JP" sz="1600" b="1" dirty="0" smtClean="0">
+                        <a:rPr kumimoji="1" lang="en-US" altLang="ja-JP" sz="1600" b="1" dirty="0">
                           <a:solidFill>
                             <a:srgbClr val="0000FF"/>
                           </a:solidFill>
                         </a:rPr>
                         <a:t>-0.7071</a:t>
                       </a:r>
-                      <a:endParaRPr kumimoji="1" lang="ja-JP" altLang="en-US" sz="1600" b="1" dirty="0" smtClean="0">
+                      <a:endParaRPr kumimoji="1" lang="ja-JP" altLang="en-US" sz="1600" b="1" dirty="0">
                         <a:solidFill>
                           <a:srgbClr val="0000FF"/>
                         </a:solidFill>
@@ -7185,7 +7129,7 @@
                     <a:p>
                       <a:pPr algn="ctr"/>
                       <a:r>
-                        <a:rPr kumimoji="1" lang="en-US" altLang="ja-JP" sz="1600" b="1" dirty="0" smtClean="0">
+                        <a:rPr kumimoji="1" lang="en-US" altLang="ja-JP" sz="1600" b="1" dirty="0">
                           <a:solidFill>
                             <a:srgbClr val="0000FF"/>
                           </a:solidFill>
@@ -7264,14 +7208,14 @@
                         <a:defRPr/>
                       </a:pPr>
                       <a:r>
-                        <a:rPr kumimoji="1" lang="en-US" altLang="ja-JP" sz="1600" b="1" dirty="0" smtClean="0">
+                        <a:rPr kumimoji="1" lang="en-US" altLang="ja-JP" sz="1600" b="1" dirty="0">
                           <a:solidFill>
                             <a:srgbClr val="0000FF"/>
                           </a:solidFill>
                         </a:rPr>
                         <a:t>-0.7071</a:t>
                       </a:r>
-                      <a:endParaRPr kumimoji="1" lang="ja-JP" altLang="en-US" sz="1600" b="1" dirty="0" smtClean="0">
+                      <a:endParaRPr kumimoji="1" lang="ja-JP" altLang="en-US" sz="1600" b="1" dirty="0">
                         <a:solidFill>
                           <a:srgbClr val="0000FF"/>
                         </a:solidFill>
@@ -7327,7 +7271,7 @@
                     <a:p>
                       <a:pPr algn="ctr"/>
                       <a:r>
-                        <a:rPr kumimoji="1" lang="en-US" altLang="ja-JP" sz="1600" b="1" dirty="0" smtClean="0"/>
+                        <a:rPr kumimoji="1" lang="en-US" altLang="ja-JP" sz="1600" b="1" dirty="0"/>
                         <a:t>0</a:t>
                       </a:r>
                       <a:endParaRPr kumimoji="1" lang="ja-JP" altLang="en-US" sz="1600" b="1" dirty="0"/>
@@ -7375,6 +7319,11 @@
                     </a:solidFill>
                   </a:tcPr>
                 </a:tc>
+                <a:extLst>
+                  <a:ext uri="{0D108BD9-81ED-4DB2-BD59-A6C34878D82A}">
+                    <a16:rowId xmlns:a16="http://schemas.microsoft.com/office/drawing/2014/main" val="10001"/>
+                  </a:ext>
+                </a:extLst>
               </a:tr>
             </a:tbl>
           </a:graphicData>
@@ -7452,60 +7401,54 @@
               <a:defRPr/>
             </a:pPr>
             <a:r>
-              <a:rPr lang="ja-JP" altLang="en-US" sz="2000" b="1" dirty="0" smtClean="0">
+              <a:rPr lang="ja-JP" altLang="en-US" sz="2000" b="1" dirty="0">
                 <a:latin typeface="ＭＳ Ｐゴシック"/>
               </a:rPr>
               <a:t>あ、</a:t>
             </a:r>
             <a:r>
-              <a:rPr lang="en-US" altLang="ja-JP" sz="2000" b="1" dirty="0" err="1" smtClean="0">
+              <a:rPr lang="en-US" altLang="ja-JP" sz="2000" b="1" dirty="0" err="1">
                 <a:latin typeface="ＭＳ Ｐゴシック"/>
               </a:rPr>
               <a:t>sinθ</a:t>
             </a:r>
             <a:r>
-              <a:rPr lang="ja-JP" altLang="en-US" sz="2000" b="1" dirty="0" smtClean="0">
+              <a:rPr lang="ja-JP" altLang="en-US" sz="2000" b="1" dirty="0">
                 <a:latin typeface="ＭＳ Ｐゴシック"/>
               </a:rPr>
               <a:t>の値は</a:t>
             </a:r>
-            <a:r>
-              <a:rPr lang="en-US" altLang="ja-JP" sz="2000" b="1" dirty="0" smtClean="0">
-                <a:latin typeface="ＭＳ Ｐゴシック"/>
-              </a:rPr>
-              <a:t/>
-            </a:r>
             <a:br>
-              <a:rPr lang="en-US" altLang="ja-JP" sz="2000" b="1" dirty="0" smtClean="0">
+              <a:rPr lang="en-US" altLang="ja-JP" sz="2000" b="1" dirty="0">
                 <a:latin typeface="ＭＳ Ｐゴシック"/>
               </a:rPr>
             </a:br>
             <a:r>
-              <a:rPr lang="en-US" altLang="ja-JP" sz="2000" b="1" dirty="0" smtClean="0">
+              <a:rPr lang="en-US" altLang="ja-JP" sz="2000" b="1" dirty="0">
                 <a:latin typeface="ＭＳ Ｐゴシック"/>
               </a:rPr>
               <a:t>0</a:t>
             </a:r>
             <a:r>
-              <a:rPr lang="ja-JP" altLang="en-US" sz="2000" b="1" dirty="0" smtClean="0">
+              <a:rPr lang="ja-JP" altLang="en-US" sz="2000" b="1" dirty="0">
                 <a:latin typeface="ＭＳ Ｐゴシック"/>
               </a:rPr>
               <a:t>～</a:t>
             </a:r>
             <a:r>
-              <a:rPr lang="en-US" altLang="ja-JP" sz="2000" b="1" dirty="0" smtClean="0">
+              <a:rPr lang="en-US" altLang="ja-JP" sz="2000" b="1" dirty="0">
                 <a:latin typeface="ＭＳ Ｐゴシック"/>
               </a:rPr>
               <a:t>180</a:t>
             </a:r>
             <a:r>
-              <a:rPr lang="ja-JP" altLang="en-US" sz="2000" b="1" dirty="0" smtClean="0">
+              <a:rPr lang="ja-JP" altLang="en-US" sz="2000" b="1" dirty="0">
                 <a:latin typeface="ＭＳ Ｐゴシック"/>
               </a:rPr>
               <a:t>の間は値が</a:t>
             </a:r>
             <a:r>
-              <a:rPr lang="ja-JP" altLang="en-US" sz="2000" b="1" dirty="0" smtClean="0">
+              <a:rPr lang="ja-JP" altLang="en-US" sz="2000" b="1" dirty="0">
                 <a:solidFill>
                   <a:srgbClr val="FF0000"/>
                 </a:solidFill>
@@ -7514,48 +7457,42 @@
               <a:t>プラス</a:t>
             </a:r>
             <a:r>
-              <a:rPr lang="ja-JP" altLang="en-US" sz="2000" b="1" dirty="0" smtClean="0">
+              <a:rPr lang="ja-JP" altLang="en-US" sz="2000" b="1" dirty="0">
                 <a:latin typeface="ＭＳ Ｐゴシック"/>
               </a:rPr>
               <a:t>になって</a:t>
             </a:r>
-            <a:r>
-              <a:rPr lang="en-US" altLang="ja-JP" sz="2000" b="1" dirty="0" smtClean="0">
-                <a:latin typeface="ＭＳ Ｐゴシック"/>
-              </a:rPr>
-              <a:t/>
-            </a:r>
             <a:br>
-              <a:rPr lang="en-US" altLang="ja-JP" sz="2000" b="1" dirty="0" smtClean="0">
+              <a:rPr lang="en-US" altLang="ja-JP" sz="2000" b="1" dirty="0">
                 <a:latin typeface="ＭＳ Ｐゴシック"/>
               </a:rPr>
             </a:br>
             <a:r>
-              <a:rPr lang="en-US" altLang="ja-JP" sz="2000" b="1" dirty="0" smtClean="0">
+              <a:rPr lang="en-US" altLang="ja-JP" sz="2000" b="1" dirty="0">
                 <a:latin typeface="ＭＳ Ｐゴシック"/>
               </a:rPr>
               <a:t>180</a:t>
             </a:r>
             <a:r>
-              <a:rPr lang="ja-JP" altLang="en-US" sz="2000" b="1" dirty="0" smtClean="0">
+              <a:rPr lang="ja-JP" altLang="en-US" sz="2000" b="1" dirty="0">
                 <a:latin typeface="ＭＳ Ｐゴシック"/>
               </a:rPr>
               <a:t>～</a:t>
             </a:r>
             <a:r>
-              <a:rPr lang="en-US" altLang="ja-JP" sz="2000" b="1" dirty="0" smtClean="0">
+              <a:rPr lang="en-US" altLang="ja-JP" sz="2000" b="1" dirty="0">
                 <a:latin typeface="ＭＳ Ｐゴシック"/>
               </a:rPr>
               <a:t>360</a:t>
             </a:r>
             <a:r>
-              <a:rPr lang="ja-JP" altLang="en-US" sz="2000" b="1" dirty="0" smtClean="0">
+              <a:rPr lang="ja-JP" altLang="en-US" sz="2000" b="1" dirty="0">
                 <a:latin typeface="ＭＳ Ｐゴシック"/>
               </a:rPr>
               <a:t>の間は値が</a:t>
             </a:r>
             <a:r>
-              <a:rPr lang="ja-JP" altLang="en-US" sz="2000" b="1" dirty="0" smtClean="0">
+              <a:rPr lang="ja-JP" altLang="en-US" sz="2000" b="1" dirty="0">
                 <a:solidFill>
                   <a:srgbClr val="0000FF"/>
                 </a:solidFill>
@@ -7564,14 +7501,11 @@
               <a:t>マイナス</a:t>
             </a:r>
             <a:r>
-              <a:rPr lang="ja-JP" altLang="en-US" sz="2000" b="1" dirty="0" smtClean="0">
+              <a:rPr lang="ja-JP" altLang="en-US" sz="2000" b="1" dirty="0">
                 <a:latin typeface="ＭＳ Ｐゴシック"/>
               </a:rPr>
               <a:t>だ！</a:t>
             </a:r>
-            <a:endParaRPr lang="ja-JP" altLang="en-US" sz="2000" b="1" dirty="0">
-              <a:latin typeface="ＭＳ Ｐゴシック"/>
-            </a:endParaRPr>
           </a:p>
         </p:txBody>
       </p:sp>
@@ -7744,52 +7678,36 @@
               <a:defRPr/>
             </a:pPr>
             <a:r>
-              <a:rPr lang="ja-JP" altLang="en-US" sz="2263" b="1" dirty="0" smtClean="0"/>
+              <a:rPr lang="ja-JP" altLang="en-US" sz="2263" b="1" dirty="0"/>
               <a:t>つまり、これを応用すれば</a:t>
             </a:r>
-            <a:r>
-              <a:rPr lang="en-US" altLang="ja-JP" sz="2263" b="1" dirty="0" smtClean="0"/>
-              <a:t/>
-            </a:r>
             <a:br>
-              <a:rPr lang="en-US" altLang="ja-JP" sz="2263" b="1" dirty="0" smtClean="0"/>
+              <a:rPr lang="en-US" altLang="ja-JP" sz="2263" b="1" dirty="0"/>
             </a:br>
             <a:r>
-              <a:rPr lang="ja-JP" altLang="en-US" sz="2263" b="1" dirty="0" smtClean="0"/>
+              <a:rPr lang="ja-JP" altLang="en-US" sz="2263" b="1" dirty="0"/>
               <a:t>相手が自分の</a:t>
             </a:r>
-            <a:r>
-              <a:rPr lang="en-US" altLang="ja-JP" sz="2263" b="1" dirty="0" smtClean="0"/>
-              <a:t/>
-            </a:r>
             <a:br>
-              <a:rPr lang="en-US" altLang="ja-JP" sz="2263" b="1" dirty="0" smtClean="0"/>
+              <a:rPr lang="en-US" altLang="ja-JP" sz="2263" b="1" dirty="0"/>
             </a:br>
             <a:r>
-              <a:rPr lang="ja-JP" altLang="en-US" sz="3200" b="1" dirty="0" smtClean="0">
+              <a:rPr lang="ja-JP" altLang="en-US" sz="3200" b="1" dirty="0">
                 <a:solidFill>
                   <a:srgbClr val="FF9933"/>
                 </a:solidFill>
               </a:rPr>
               <a:t>進行方向に対して左右のどちらにいるか</a:t>
             </a:r>
-            <a:r>
-              <a:rPr lang="en-US" altLang="ja-JP" sz="3200" b="1" dirty="0" smtClean="0">
-                <a:solidFill>
-                  <a:srgbClr val="FF9933"/>
-                </a:solidFill>
-              </a:rPr>
-              <a:t/>
-            </a:r>
             <a:br>
-              <a:rPr lang="en-US" altLang="ja-JP" sz="3200" b="1" dirty="0" smtClean="0">
+              <a:rPr lang="en-US" altLang="ja-JP" sz="3200" b="1" dirty="0">
                 <a:solidFill>
                   <a:srgbClr val="FF9933"/>
                 </a:solidFill>
               </a:rPr>
             </a:br>
             <a:r>
-              <a:rPr lang="ja-JP" altLang="en-US" sz="2263" b="1" dirty="0" smtClean="0"/>
+              <a:rPr lang="ja-JP" altLang="en-US" sz="2263" b="1" dirty="0"/>
               <a:t>を求める事ができる。</a:t>
             </a:r>
             <a:endParaRPr lang="en-US" altLang="ja-JP" sz="2263" b="1" dirty="0"/>
@@ -7806,13 +7724,6 @@
   <p:clrMapOvr>
     <a:masterClrMapping/>
   </p:clrMapOvr>
-  <p:timing>
-    <p:tnLst>
-      <p:par>
-        <p:cTn id="1" dur="indefinite" restart="never" nodeType="tmRoot"/>
-      </p:par>
-    </p:tnLst>
-  </p:timing>
 </p:sld>
 </file>
 
@@ -8032,18 +7943,17 @@
               <a:defRPr/>
             </a:pPr>
             <a:r>
-              <a:rPr lang="en-US" altLang="ja-JP" sz="2263" b="1" dirty="0" smtClean="0"/>
+              <a:rPr lang="en-US" altLang="ja-JP" sz="2263" b="1" dirty="0"/>
               <a:t>[</a:t>
             </a:r>
             <a:r>
-              <a:rPr lang="ja-JP" altLang="en-US" sz="2263" b="1" dirty="0" smtClean="0"/>
+              <a:rPr lang="ja-JP" altLang="en-US" sz="2263" b="1" dirty="0"/>
               <a:t>相手の左右判定　考え方</a:t>
             </a:r>
             <a:r>
-              <a:rPr lang="en-US" altLang="ja-JP" sz="2263" b="1" dirty="0" smtClean="0"/>
+              <a:rPr lang="en-US" altLang="ja-JP" sz="2263" b="1" dirty="0"/>
               <a:t>]</a:t>
             </a:r>
-            <a:endParaRPr lang="en-US" altLang="ja-JP" sz="2263" b="1" dirty="0"/>
           </a:p>
         </p:txBody>
       </p:sp>
@@ -8216,34 +8126,30 @@
               <a:defRPr/>
             </a:pPr>
             <a:r>
-              <a:rPr lang="ja-JP" altLang="en-US" sz="2263" b="1" dirty="0" smtClean="0"/>
+              <a:rPr lang="ja-JP" altLang="en-US" sz="2263" b="1" dirty="0"/>
               <a:t>①現在のキャラクター</a:t>
             </a:r>
             <a:r>
-              <a:rPr lang="en-US" altLang="ja-JP" sz="2263" b="1" dirty="0" smtClean="0"/>
+              <a:rPr lang="en-US" altLang="ja-JP" sz="2263" b="1" dirty="0"/>
               <a:t>A,B</a:t>
             </a:r>
             <a:r>
-              <a:rPr lang="ja-JP" altLang="en-US" sz="2263" b="1" dirty="0" smtClean="0"/>
+              <a:rPr lang="ja-JP" altLang="en-US" sz="2263" b="1" dirty="0"/>
               <a:t>の位置と、</a:t>
             </a:r>
-            <a:r>
-              <a:rPr lang="en-US" altLang="ja-JP" sz="2263" b="1" dirty="0" smtClean="0"/>
-              <a:t/>
-            </a:r>
             <a:br>
-              <a:rPr lang="en-US" altLang="ja-JP" sz="2263" b="1" dirty="0" smtClean="0"/>
+              <a:rPr lang="en-US" altLang="ja-JP" sz="2263" b="1" dirty="0"/>
             </a:br>
             <a:r>
-              <a:rPr lang="ja-JP" altLang="en-US" sz="2263" b="1" dirty="0" smtClean="0"/>
+              <a:rPr lang="ja-JP" altLang="en-US" sz="2263" b="1" dirty="0"/>
               <a:t>　 キャラクター</a:t>
             </a:r>
             <a:r>
-              <a:rPr lang="en-US" altLang="ja-JP" sz="2263" b="1" dirty="0" smtClean="0"/>
+              <a:rPr lang="en-US" altLang="ja-JP" sz="2263" b="1" dirty="0"/>
               <a:t>B</a:t>
             </a:r>
             <a:r>
-              <a:rPr lang="ja-JP" altLang="en-US" sz="2263" b="1" dirty="0" smtClean="0"/>
+              <a:rPr lang="ja-JP" altLang="en-US" sz="2263" b="1" dirty="0"/>
               <a:t>の進行方向を設定しておく。</a:t>
             </a:r>
             <a:endParaRPr lang="en-US" altLang="ja-JP" sz="2263" b="1" dirty="0"/>
@@ -8383,7 +8289,6 @@
             <a:avLst/>
           </a:prstGeom>
           <a:ln/>
-          <a:extLst/>
         </p:spPr>
         <p:style>
           <a:lnRef idx="2">
@@ -8518,14 +8423,13 @@
               <a:defRPr/>
             </a:pPr>
             <a:r>
-              <a:rPr lang="ja-JP" altLang="en-US" sz="2263" b="1" dirty="0" smtClean="0"/>
+              <a:rPr lang="ja-JP" altLang="en-US" sz="2263" b="1" dirty="0"/>
               <a:t>点</a:t>
             </a:r>
             <a:r>
-              <a:rPr lang="en-US" altLang="ja-JP" sz="2263" b="1" dirty="0" smtClean="0"/>
+              <a:rPr lang="en-US" altLang="ja-JP" sz="2263" b="1" dirty="0"/>
               <a:t>A</a:t>
             </a:r>
-            <a:endParaRPr lang="en-US" altLang="ja-JP" sz="2263" b="1" dirty="0"/>
           </a:p>
         </p:txBody>
       </p:sp>
@@ -8594,7 +8498,6 @@
             <a:avLst/>
           </a:prstGeom>
           <a:ln/>
-          <a:extLst/>
         </p:spPr>
         <p:style>
           <a:lnRef idx="2">
@@ -8729,7 +8632,7 @@
               <a:defRPr/>
             </a:pPr>
             <a:r>
-              <a:rPr lang="ja-JP" altLang="en-US" sz="2263" b="1" dirty="0" smtClean="0"/>
+              <a:rPr lang="ja-JP" altLang="en-US" sz="2263" b="1" dirty="0"/>
               <a:t>点</a:t>
             </a:r>
             <a:r>
@@ -8804,7 +8707,6 @@
             <a:avLst/>
           </a:prstGeom>
           <a:ln/>
-          <a:extLst/>
         </p:spPr>
         <p:style>
           <a:lnRef idx="2">
@@ -8939,7 +8841,7 @@
               <a:defRPr/>
             </a:pPr>
             <a:r>
-              <a:rPr lang="ja-JP" altLang="en-US" sz="2263" b="1" dirty="0" smtClean="0"/>
+              <a:rPr lang="ja-JP" altLang="en-US" sz="2263" b="1" dirty="0"/>
               <a:t>点</a:t>
             </a:r>
             <a:r>
@@ -9006,7 +8908,6 @@
               <a:srgbClr val="FF0000"/>
             </a:solidFill>
           </a:ln>
-          <a:extLst/>
         </p:spPr>
         <p:style>
           <a:lnRef idx="2">
@@ -9141,16 +9042,8 @@
               <a:defRPr/>
             </a:pPr>
             <a:r>
-              <a:rPr lang="ja-JP" altLang="en-US" sz="2263" b="1" dirty="0" smtClean="0"/>
-              <a:t>ホーミング</a:t>
-            </a:r>
-            <a:r>
               <a:rPr lang="ja-JP" altLang="en-US" sz="2263" b="1" dirty="0"/>
-              <a:t>弾</a:t>
-            </a:r>
-            <a:r>
-              <a:rPr lang="ja-JP" altLang="en-US" sz="2263" b="1" dirty="0" smtClean="0"/>
-              <a:t>の進行方向</a:t>
+              <a:t>ホーミング弾の進行方向</a:t>
             </a:r>
             <a:endParaRPr lang="en-US" altLang="ja-JP" sz="2263" b="1" dirty="0"/>
           </a:p>
@@ -9177,7 +9070,6 @@
               <a:srgbClr val="FF9933"/>
             </a:solidFill>
           </a:ln>
-          <a:extLst/>
         </p:spPr>
         <p:style>
           <a:lnRef idx="2">
@@ -9312,23 +9204,23 @@
               <a:defRPr/>
             </a:pPr>
             <a:r>
-              <a:rPr lang="ja-JP" altLang="en-US" sz="2263" b="1" dirty="0" smtClean="0"/>
+              <a:rPr lang="ja-JP" altLang="en-US" sz="2263" b="1" dirty="0"/>
               <a:t>キャラ</a:t>
             </a:r>
             <a:r>
-              <a:rPr lang="en-US" altLang="ja-JP" sz="2263" b="1" dirty="0" smtClean="0"/>
+              <a:rPr lang="en-US" altLang="ja-JP" sz="2263" b="1" dirty="0"/>
               <a:t>A</a:t>
             </a:r>
             <a:r>
-              <a:rPr lang="ja-JP" altLang="en-US" sz="2263" b="1" dirty="0" smtClean="0"/>
+              <a:rPr lang="ja-JP" altLang="en-US" sz="2263" b="1" dirty="0"/>
               <a:t>とキャラ</a:t>
             </a:r>
             <a:r>
-              <a:rPr lang="en-US" altLang="ja-JP" sz="2263" b="1" dirty="0" smtClean="0"/>
+              <a:rPr lang="en-US" altLang="ja-JP" sz="2263" b="1" dirty="0"/>
               <a:t>B</a:t>
             </a:r>
             <a:r>
-              <a:rPr lang="ja-JP" altLang="en-US" sz="2263" b="1" dirty="0" smtClean="0"/>
+              <a:rPr lang="ja-JP" altLang="en-US" sz="2263" b="1" dirty="0"/>
               <a:t>のベクトル</a:t>
             </a:r>
             <a:endParaRPr lang="en-US" altLang="ja-JP" sz="2263" b="1" dirty="0"/>
@@ -9504,34 +9396,30 @@
               <a:defRPr/>
             </a:pPr>
             <a:r>
-              <a:rPr lang="ja-JP" altLang="en-US" sz="2263" b="1" dirty="0" smtClean="0"/>
+              <a:rPr lang="ja-JP" altLang="en-US" sz="2263" b="1" dirty="0"/>
               <a:t>②①の情報を元に、ベクトル</a:t>
             </a:r>
             <a:r>
-              <a:rPr lang="en-US" altLang="ja-JP" sz="2263" b="1" dirty="0" smtClean="0"/>
+              <a:rPr lang="en-US" altLang="ja-JP" sz="2263" b="1" dirty="0"/>
               <a:t>AB</a:t>
             </a:r>
             <a:r>
-              <a:rPr lang="ja-JP" altLang="en-US" sz="2263" b="1" dirty="0" smtClean="0"/>
+              <a:rPr lang="ja-JP" altLang="en-US" sz="2263" b="1" dirty="0"/>
               <a:t>とベクトル</a:t>
             </a:r>
             <a:r>
-              <a:rPr lang="en-US" altLang="ja-JP" sz="2263" b="1" dirty="0" smtClean="0"/>
+              <a:rPr lang="en-US" altLang="ja-JP" sz="2263" b="1" dirty="0"/>
               <a:t>PB</a:t>
             </a:r>
             <a:r>
-              <a:rPr lang="ja-JP" altLang="en-US" sz="2263" b="1" dirty="0" smtClean="0"/>
+              <a:rPr lang="ja-JP" altLang="en-US" sz="2263" b="1" dirty="0"/>
               <a:t>の外積を</a:t>
             </a:r>
-            <a:r>
-              <a:rPr lang="en-US" altLang="ja-JP" sz="2263" b="1" dirty="0" smtClean="0"/>
-              <a:t/>
-            </a:r>
             <a:br>
-              <a:rPr lang="en-US" altLang="ja-JP" sz="2263" b="1" dirty="0" smtClean="0"/>
+              <a:rPr lang="en-US" altLang="ja-JP" sz="2263" b="1" dirty="0"/>
             </a:br>
             <a:r>
-              <a:rPr lang="ja-JP" altLang="en-US" sz="2263" b="1" dirty="0" smtClean="0"/>
+              <a:rPr lang="ja-JP" altLang="en-US" sz="2263" b="1" dirty="0"/>
               <a:t>　 計算する。</a:t>
             </a:r>
             <a:endParaRPr lang="en-US" altLang="ja-JP" sz="2263" b="1" dirty="0"/>
@@ -9610,14 +9498,11 @@
               <a:defRPr/>
             </a:pPr>
             <a:r>
-              <a:rPr lang="ja-JP" altLang="en-US" sz="2000" b="1" dirty="0" smtClean="0">
+              <a:rPr lang="ja-JP" altLang="en-US" sz="2000" b="1" dirty="0">
                 <a:latin typeface="ＭＳ Ｐゴシック"/>
               </a:rPr>
               <a:t>ベクトルの正規化はしなくていいの？</a:t>
             </a:r>
-            <a:endParaRPr lang="ja-JP" altLang="en-US" sz="2000" b="1" dirty="0">
-              <a:latin typeface="ＭＳ Ｐゴシック"/>
-            </a:endParaRPr>
           </a:p>
         </p:txBody>
       </p:sp>
@@ -9790,39 +9675,23 @@
               <a:defRPr/>
             </a:pPr>
             <a:r>
-              <a:rPr lang="ja-JP" altLang="en-US" sz="2263" b="1" dirty="0" smtClean="0">
+              <a:rPr lang="ja-JP" altLang="en-US" sz="2263" b="1" dirty="0">
                 <a:solidFill>
                   <a:srgbClr val="FF0000"/>
                 </a:solidFill>
               </a:rPr>
               <a:t>正規化は不要！！</a:t>
             </a:r>
-            <a:r>
-              <a:rPr lang="en-US" altLang="ja-JP" sz="2263" b="1" dirty="0" smtClean="0">
-                <a:solidFill>
-                  <a:srgbClr val="FF0000"/>
-                </a:solidFill>
-              </a:rPr>
-              <a:t/>
-            </a:r>
             <a:br>
-              <a:rPr lang="en-US" altLang="ja-JP" sz="2263" b="1" dirty="0" smtClean="0">
+              <a:rPr lang="en-US" altLang="ja-JP" sz="2263" b="1" dirty="0">
                 <a:solidFill>
                   <a:srgbClr val="FF0000"/>
                 </a:solidFill>
               </a:rPr>
             </a:br>
             <a:r>
-              <a:rPr lang="ja-JP" altLang="en-US" sz="2263" b="1" dirty="0" smtClean="0"/>
-              <a:t>計算結果が＋か</a:t>
-            </a:r>
-            <a:r>
               <a:rPr lang="ja-JP" altLang="en-US" sz="2263" b="1" dirty="0"/>
-              <a:t>－</a:t>
-            </a:r>
-            <a:r>
-              <a:rPr lang="ja-JP" altLang="en-US" sz="2263" b="1" dirty="0" smtClean="0"/>
-              <a:t>かが分かればよい！</a:t>
+              <a:t>計算結果が＋か－かが分かればよい！</a:t>
             </a:r>
             <a:endParaRPr lang="en-US" altLang="ja-JP" sz="2263" b="1" dirty="0"/>
           </a:p>
@@ -9838,13 +9707,6 @@
   <p:clrMapOvr>
     <a:masterClrMapping/>
   </p:clrMapOvr>
-  <p:timing>
-    <p:tnLst>
-      <p:par>
-        <p:cTn id="1" dur="indefinite" restart="never" nodeType="tmRoot"/>
-      </p:par>
-    </p:tnLst>
-  </p:timing>
 </p:sld>
 </file>
 
@@ -10059,15 +9921,7 @@
             </a:pPr>
             <a:r>
               <a:rPr lang="ja-JP" altLang="en-US" sz="2263" b="1" dirty="0"/>
-              <a:t>＜</a:t>
-            </a:r>
-            <a:r>
-              <a:rPr lang="ja-JP" altLang="en-US" sz="2263" b="1" dirty="0" smtClean="0"/>
-              <a:t>どうしても分からない人向け</a:t>
-            </a:r>
-            <a:r>
-              <a:rPr lang="ja-JP" altLang="en-US" sz="2263" b="1" dirty="0"/>
-              <a:t>＞</a:t>
+              <a:t>＜どうしても分からない人向け＞</a:t>
             </a:r>
             <a:endParaRPr lang="en-US" altLang="ja-JP" sz="2263" b="1" dirty="0"/>
           </a:p>
@@ -10322,37 +10176,29 @@
               <a:defRPr/>
             </a:pPr>
             <a:r>
-              <a:rPr lang="ja-JP" altLang="en-US" sz="2263" b="1" dirty="0" smtClean="0"/>
+              <a:rPr lang="ja-JP" altLang="en-US" sz="2263" b="1" dirty="0"/>
               <a:t>今後はキャラクター</a:t>
             </a:r>
             <a:r>
-              <a:rPr lang="en-US" altLang="ja-JP" sz="2263" b="1" dirty="0" smtClean="0"/>
+              <a:rPr lang="en-US" altLang="ja-JP" sz="2263" b="1" dirty="0"/>
               <a:t>2</a:t>
             </a:r>
             <a:r>
-              <a:rPr lang="ja-JP" altLang="en-US" sz="2263" b="1" dirty="0" smtClean="0"/>
+              <a:rPr lang="ja-JP" altLang="en-US" sz="2263" b="1" dirty="0"/>
               <a:t>の移動に発展していくので、</a:t>
             </a:r>
-            <a:r>
-              <a:rPr lang="en-US" altLang="ja-JP" sz="2263" b="1" dirty="0" smtClean="0"/>
-              <a:t/>
-            </a:r>
             <a:br>
-              <a:rPr lang="en-US" altLang="ja-JP" sz="2263" b="1" dirty="0" smtClean="0"/>
+              <a:rPr lang="en-US" altLang="ja-JP" sz="2263" b="1" dirty="0"/>
             </a:br>
             <a:r>
-              <a:rPr lang="ja-JP" altLang="en-US" sz="2263" b="1" dirty="0" smtClean="0"/>
+              <a:rPr lang="ja-JP" altLang="en-US" sz="2263" b="1" dirty="0"/>
               <a:t>プログラムの記述は「描画」ではなく</a:t>
             </a:r>
-            <a:r>
-              <a:rPr lang="en-US" altLang="ja-JP" sz="2263" b="1" dirty="0" smtClean="0"/>
-              <a:t/>
-            </a:r>
             <a:br>
-              <a:rPr lang="en-US" altLang="ja-JP" sz="2263" b="1" dirty="0" smtClean="0"/>
+              <a:rPr lang="en-US" altLang="ja-JP" sz="2263" b="1" dirty="0"/>
             </a:br>
             <a:r>
-              <a:rPr lang="ja-JP" altLang="en-US" sz="2263" b="1" dirty="0" smtClean="0"/>
+              <a:rPr lang="ja-JP" altLang="en-US" sz="2263" b="1" dirty="0"/>
               <a:t>「更新」処理に該当する箇所にしておこう！</a:t>
             </a:r>
             <a:endParaRPr lang="en-US" altLang="ja-JP" sz="2263" b="1" dirty="0"/>
@@ -10588,18 +10434,17 @@
               <a:defRPr/>
             </a:pPr>
             <a:r>
-              <a:rPr lang="en-US" altLang="ja-JP" sz="2263" b="1" dirty="0" smtClean="0"/>
+              <a:rPr lang="en-US" altLang="ja-JP" sz="2263" b="1" dirty="0"/>
               <a:t>[</a:t>
             </a:r>
             <a:r>
-              <a:rPr lang="ja-JP" altLang="en-US" sz="2263" b="1" dirty="0" smtClean="0"/>
+              <a:rPr lang="ja-JP" altLang="en-US" sz="2263" b="1" dirty="0"/>
               <a:t>ホーミング移動　考え方</a:t>
             </a:r>
             <a:r>
-              <a:rPr lang="en-US" altLang="ja-JP" sz="2263" b="1" dirty="0" smtClean="0"/>
+              <a:rPr lang="en-US" altLang="ja-JP" sz="2263" b="1" dirty="0"/>
               <a:t>]</a:t>
             </a:r>
-            <a:endParaRPr lang="en-US" altLang="ja-JP" sz="2263" b="1" dirty="0"/>
           </a:p>
         </p:txBody>
       </p:sp>
@@ -10736,7 +10581,6 @@
             <a:avLst/>
           </a:prstGeom>
           <a:ln/>
-          <a:extLst/>
         </p:spPr>
         <p:style>
           <a:lnRef idx="2">
@@ -10871,14 +10715,13 @@
               <a:defRPr/>
             </a:pPr>
             <a:r>
-              <a:rPr lang="ja-JP" altLang="en-US" sz="2263" b="1" dirty="0" smtClean="0"/>
+              <a:rPr lang="ja-JP" altLang="en-US" sz="2263" b="1" dirty="0"/>
               <a:t>点</a:t>
             </a:r>
             <a:r>
-              <a:rPr lang="en-US" altLang="ja-JP" sz="2263" b="1" dirty="0" smtClean="0"/>
+              <a:rPr lang="en-US" altLang="ja-JP" sz="2263" b="1" dirty="0"/>
               <a:t>A</a:t>
             </a:r>
-            <a:endParaRPr lang="en-US" altLang="ja-JP" sz="2263" b="1" dirty="0"/>
           </a:p>
         </p:txBody>
       </p:sp>
@@ -10947,7 +10790,6 @@
             <a:avLst/>
           </a:prstGeom>
           <a:ln/>
-          <a:extLst/>
         </p:spPr>
         <p:style>
           <a:lnRef idx="2">
@@ -11082,7 +10924,7 @@
               <a:defRPr/>
             </a:pPr>
             <a:r>
-              <a:rPr lang="ja-JP" altLang="en-US" sz="2263" b="1" dirty="0" smtClean="0"/>
+              <a:rPr lang="ja-JP" altLang="en-US" sz="2263" b="1" dirty="0"/>
               <a:t>点</a:t>
             </a:r>
             <a:r>
@@ -11157,7 +10999,6 @@
             <a:avLst/>
           </a:prstGeom>
           <a:ln/>
-          <a:extLst/>
         </p:spPr>
         <p:style>
           <a:lnRef idx="2">
@@ -11292,7 +11133,7 @@
               <a:defRPr/>
             </a:pPr>
             <a:r>
-              <a:rPr lang="ja-JP" altLang="en-US" sz="2263" b="1" dirty="0" smtClean="0"/>
+              <a:rPr lang="ja-JP" altLang="en-US" sz="2263" b="1" dirty="0"/>
               <a:t>点</a:t>
             </a:r>
             <a:r>
@@ -11359,7 +11200,6 @@
               <a:srgbClr val="FF9933"/>
             </a:solidFill>
           </a:ln>
-          <a:extLst/>
         </p:spPr>
         <p:style>
           <a:lnRef idx="2">
@@ -11494,23 +11334,23 @@
               <a:defRPr/>
             </a:pPr>
             <a:r>
-              <a:rPr lang="ja-JP" altLang="en-US" sz="2263" b="1" dirty="0" smtClean="0"/>
+              <a:rPr lang="ja-JP" altLang="en-US" sz="2263" b="1" dirty="0"/>
               <a:t>キャラ</a:t>
             </a:r>
             <a:r>
-              <a:rPr lang="en-US" altLang="ja-JP" sz="2263" b="1" dirty="0" smtClean="0"/>
+              <a:rPr lang="en-US" altLang="ja-JP" sz="2263" b="1" dirty="0"/>
               <a:t>A</a:t>
             </a:r>
             <a:r>
-              <a:rPr lang="ja-JP" altLang="en-US" sz="2263" b="1" dirty="0" smtClean="0"/>
+              <a:rPr lang="ja-JP" altLang="en-US" sz="2263" b="1" dirty="0"/>
               <a:t>とキャラ</a:t>
             </a:r>
             <a:r>
-              <a:rPr lang="en-US" altLang="ja-JP" sz="2263" b="1" dirty="0" smtClean="0"/>
+              <a:rPr lang="en-US" altLang="ja-JP" sz="2263" b="1" dirty="0"/>
               <a:t>B</a:t>
             </a:r>
             <a:r>
-              <a:rPr lang="ja-JP" altLang="en-US" sz="2263" b="1" dirty="0" smtClean="0"/>
+              <a:rPr lang="ja-JP" altLang="en-US" sz="2263" b="1" dirty="0"/>
               <a:t>のベクトル</a:t>
             </a:r>
             <a:endParaRPr lang="en-US" altLang="ja-JP" sz="2263" b="1" dirty="0"/>
@@ -11686,19 +11526,11 @@
               <a:defRPr/>
             </a:pPr>
             <a:r>
-              <a:rPr lang="ja-JP" altLang="en-US" sz="2263" b="1" dirty="0" smtClean="0"/>
-              <a:t>左右</a:t>
-            </a:r>
-            <a:r>
               <a:rPr lang="ja-JP" altLang="en-US" sz="2263" b="1" dirty="0"/>
-              <a:t>判定</a:t>
-            </a:r>
-            <a:r>
-              <a:rPr lang="ja-JP" altLang="en-US" sz="2263" b="1" dirty="0" smtClean="0"/>
-              <a:t>ができれば、</a:t>
-            </a:r>
-            <a:r>
-              <a:rPr lang="ja-JP" altLang="en-US" sz="2263" b="1" dirty="0" smtClean="0">
+              <a:t>左右判定ができれば、</a:t>
+            </a:r>
+            <a:r>
+              <a:rPr lang="ja-JP" altLang="en-US" sz="2263" b="1" dirty="0">
                 <a:solidFill>
                   <a:srgbClr val="FF0000"/>
                 </a:solidFill>
@@ -11706,56 +11538,40 @@
               <a:t>進行方向のベクトルを回転</a:t>
             </a:r>
             <a:r>
-              <a:rPr lang="ja-JP" altLang="en-US" sz="2263" b="1" dirty="0" smtClean="0"/>
+              <a:rPr lang="ja-JP" altLang="en-US" sz="2263" b="1" dirty="0"/>
               <a:t>させて</a:t>
             </a:r>
-            <a:r>
-              <a:rPr lang="en-US" altLang="ja-JP" sz="2263" b="1" dirty="0" smtClean="0"/>
-              <a:t/>
-            </a:r>
             <a:br>
-              <a:rPr lang="en-US" altLang="ja-JP" sz="2263" b="1" dirty="0" smtClean="0"/>
+              <a:rPr lang="en-US" altLang="ja-JP" sz="2263" b="1" dirty="0"/>
             </a:br>
             <a:r>
-              <a:rPr lang="ja-JP" altLang="en-US" sz="2263" b="1" dirty="0" smtClean="0"/>
+              <a:rPr lang="ja-JP" altLang="en-US" sz="2263" b="1" dirty="0"/>
               <a:t>加算していけば目的位置にたどり着くはず！</a:t>
             </a:r>
-            <a:r>
-              <a:rPr lang="en-US" altLang="ja-JP" sz="2263" b="1" dirty="0" smtClean="0"/>
-              <a:t/>
-            </a:r>
             <a:br>
-              <a:rPr lang="en-US" altLang="ja-JP" sz="2263" b="1" dirty="0" smtClean="0"/>
+              <a:rPr lang="en-US" altLang="ja-JP" sz="2263" b="1" dirty="0"/>
             </a:br>
             <a:r>
-              <a:rPr lang="ja-JP" altLang="en-US" sz="2263" b="1" dirty="0" smtClean="0"/>
+              <a:rPr lang="ja-JP" altLang="en-US" sz="2263" b="1" dirty="0"/>
               <a:t>なお、</a:t>
             </a:r>
             <a:r>
-              <a:rPr lang="ja-JP" altLang="en-US" sz="2263" b="1" dirty="0" smtClean="0">
+              <a:rPr lang="ja-JP" altLang="en-US" sz="2263" b="1" dirty="0">
                 <a:solidFill>
                   <a:srgbClr val="0000FF"/>
                 </a:solidFill>
               </a:rPr>
               <a:t>一気にキャラクターの方向を向かせると</a:t>
             </a:r>
-            <a:r>
-              <a:rPr lang="en-US" altLang="ja-JP" sz="2263" b="1" dirty="0" smtClean="0">
-                <a:solidFill>
-                  <a:srgbClr val="0000FF"/>
-                </a:solidFill>
-              </a:rPr>
-              <a:t/>
-            </a:r>
             <a:br>
-              <a:rPr lang="en-US" altLang="ja-JP" sz="2263" b="1" dirty="0" smtClean="0">
+              <a:rPr lang="en-US" altLang="ja-JP" sz="2263" b="1" dirty="0">
                 <a:solidFill>
                   <a:srgbClr val="0000FF"/>
                 </a:solidFill>
               </a:rPr>
             </a:br>
             <a:r>
-              <a:rPr lang="ja-JP" altLang="en-US" sz="2263" b="1" dirty="0" smtClean="0">
+              <a:rPr lang="ja-JP" altLang="en-US" sz="2263" b="1" dirty="0">
                 <a:solidFill>
                   <a:srgbClr val="0000FF"/>
                 </a:solidFill>
@@ -11763,7 +11579,7 @@
               <a:t>プレイヤーが逃げられなくなる</a:t>
             </a:r>
             <a:r>
-              <a:rPr lang="ja-JP" altLang="en-US" sz="2263" b="1" dirty="0" smtClean="0"/>
+              <a:rPr lang="ja-JP" altLang="en-US" sz="2263" b="1" dirty="0"/>
               <a:t>ので注意！</a:t>
             </a:r>
             <a:endParaRPr lang="en-US" altLang="ja-JP" sz="2263" b="1" dirty="0"/>
@@ -11791,7 +11607,6 @@
               <a:srgbClr val="FF0000"/>
             </a:solidFill>
           </a:ln>
-          <a:extLst/>
         </p:spPr>
         <p:style>
           <a:lnRef idx="2">
@@ -11927,11 +11742,7 @@
             </a:pPr>
             <a:r>
               <a:rPr lang="ja-JP" altLang="en-US" sz="2263" b="1" dirty="0"/>
-              <a:t>現在</a:t>
-            </a:r>
-            <a:r>
-              <a:rPr lang="ja-JP" altLang="en-US" sz="2263" b="1" dirty="0" smtClean="0"/>
-              <a:t>の進行方向</a:t>
+              <a:t>現在の進行方向</a:t>
             </a:r>
             <a:endParaRPr lang="en-US" altLang="ja-JP" sz="2263" b="1" dirty="0"/>
           </a:p>
@@ -11979,31 +11790,22 @@
               <a:defRPr/>
             </a:pPr>
             <a:r>
-              <a:rPr lang="ja-JP" altLang="en-US" sz="2000" b="1" dirty="0" smtClean="0">
+              <a:rPr lang="ja-JP" altLang="en-US" sz="2000" b="1" dirty="0">
                 <a:latin typeface="ＭＳ Ｐゴシック"/>
               </a:rPr>
               <a:t>今回は左手側にあるから</a:t>
             </a:r>
-            <a:r>
-              <a:rPr lang="en-US" altLang="ja-JP" sz="2000" b="1" dirty="0" smtClean="0">
-                <a:latin typeface="ＭＳ Ｐゴシック"/>
-              </a:rPr>
-              <a:t/>
-            </a:r>
             <a:br>
-              <a:rPr lang="en-US" altLang="ja-JP" sz="2000" b="1" dirty="0" smtClean="0">
+              <a:rPr lang="en-US" altLang="ja-JP" sz="2000" b="1" dirty="0">
                 <a:latin typeface="ＭＳ Ｐゴシック"/>
               </a:rPr>
             </a:br>
             <a:r>
-              <a:rPr lang="ja-JP" altLang="en-US" sz="2000" b="1" dirty="0" smtClean="0">
+              <a:rPr lang="ja-JP" altLang="en-US" sz="2000" b="1" dirty="0">
                 <a:latin typeface="ＭＳ Ｐゴシック"/>
               </a:rPr>
               <a:t>進行方向を少し左に動かそう。</a:t>
             </a:r>
-            <a:endParaRPr lang="ja-JP" altLang="en-US" sz="2000" b="1" dirty="0">
-              <a:latin typeface="ＭＳ Ｐゴシック"/>
-            </a:endParaRPr>
           </a:p>
         </p:txBody>
       </p:sp>
@@ -12112,7 +11914,6 @@
               <a:srgbClr val="00B050"/>
             </a:solidFill>
           </a:ln>
-          <a:extLst/>
         </p:spPr>
         <p:style>
           <a:lnRef idx="2">
@@ -12248,11 +12049,7 @@
             </a:pPr>
             <a:r>
               <a:rPr lang="ja-JP" altLang="en-US" sz="2263" b="1" dirty="0"/>
-              <a:t>次</a:t>
-            </a:r>
-            <a:r>
-              <a:rPr lang="ja-JP" altLang="en-US" sz="2263" b="1" dirty="0" smtClean="0"/>
-              <a:t>の進行方向</a:t>
+              <a:t>次の進行方向</a:t>
             </a:r>
             <a:endParaRPr lang="en-US" altLang="ja-JP" sz="2263" b="1" dirty="0"/>
           </a:p>
@@ -12268,13 +12065,6 @@
   <p:clrMapOvr>
     <a:masterClrMapping/>
   </p:clrMapOvr>
-  <p:timing>
-    <p:tnLst>
-      <p:par>
-        <p:cTn id="1" dur="indefinite" restart="never" nodeType="tmRoot"/>
-      </p:par>
-    </p:tnLst>
-  </p:timing>
 </p:sld>
 </file>
 
@@ -12464,18 +12254,14 @@
               <a:defRPr/>
             </a:pPr>
             <a:r>
-              <a:rPr lang="ja-JP" altLang="en-US" sz="2263" b="1" dirty="0" smtClean="0"/>
+              <a:rPr lang="ja-JP" altLang="en-US" sz="2263" b="1" dirty="0"/>
               <a:t>①現在の進行方向の角度を保存する変数を用意し、</a:t>
             </a:r>
-            <a:r>
-              <a:rPr lang="en-US" altLang="ja-JP" sz="2263" b="1" dirty="0" smtClean="0"/>
-              <a:t/>
-            </a:r>
             <a:br>
-              <a:rPr lang="en-US" altLang="ja-JP" sz="2263" b="1" dirty="0" smtClean="0"/>
+              <a:rPr lang="en-US" altLang="ja-JP" sz="2263" b="1" dirty="0"/>
             </a:br>
             <a:r>
-              <a:rPr lang="ja-JP" altLang="en-US" sz="2263" b="1" dirty="0" smtClean="0"/>
+              <a:rPr lang="ja-JP" altLang="en-US" sz="2263" b="1" dirty="0"/>
               <a:t>　 初期の進行方向の角度を保存しておく。</a:t>
             </a:r>
             <a:endParaRPr lang="en-US" altLang="ja-JP" sz="2263" b="1" dirty="0"/>
@@ -12654,20 +12440,12 @@
               <a:rPr lang="ja-JP" altLang="en-US" sz="2263" b="1" dirty="0"/>
               <a:t>②現在の進行方向ベクトルと、目標がいる方向ベクトルから</a:t>
             </a:r>
-            <a:r>
-              <a:rPr lang="en-US" altLang="ja-JP" sz="2263" b="1" dirty="0"/>
-              <a:t/>
-            </a:r>
             <a:br>
               <a:rPr lang="en-US" altLang="ja-JP" sz="2263" b="1" dirty="0"/>
             </a:br>
             <a:r>
               <a:rPr lang="ja-JP" altLang="en-US" sz="2263" b="1" dirty="0"/>
-              <a:t>　 目標が右手側と左手側どちらにいるのかを調べる</a:t>
-            </a:r>
-            <a:r>
-              <a:rPr lang="ja-JP" altLang="en-US" sz="2263" b="1" dirty="0" smtClean="0"/>
-              <a:t>。</a:t>
+              <a:t>　 目標が右手側と左手側どちらにいるのかを調べる。</a:t>
             </a:r>
             <a:endParaRPr lang="en-US" altLang="ja-JP" sz="2263" b="1" dirty="0"/>
           </a:p>
@@ -12842,18 +12620,14 @@
               <a:defRPr/>
             </a:pPr>
             <a:r>
-              <a:rPr lang="ja-JP" altLang="en-US" sz="2263" b="1" dirty="0" smtClean="0"/>
+              <a:rPr lang="ja-JP" altLang="en-US" sz="2263" b="1" dirty="0"/>
               <a:t>③①で用意した変数の値を元に角度を加算・減算し、</a:t>
             </a:r>
-            <a:r>
-              <a:rPr lang="en-US" altLang="ja-JP" sz="2263" b="1" dirty="0" smtClean="0"/>
-              <a:t/>
-            </a:r>
             <a:br>
-              <a:rPr lang="en-US" altLang="ja-JP" sz="2263" b="1" dirty="0" smtClean="0"/>
+              <a:rPr lang="en-US" altLang="ja-JP" sz="2263" b="1" dirty="0"/>
             </a:br>
             <a:r>
-              <a:rPr lang="ja-JP" altLang="en-US" sz="2263" b="1" dirty="0" smtClean="0"/>
+              <a:rPr lang="ja-JP" altLang="en-US" sz="2263" b="1" dirty="0"/>
               <a:t>　 新しい角度を求める。</a:t>
             </a:r>
             <a:endParaRPr lang="en-US" altLang="ja-JP" sz="2263" b="1" dirty="0"/>
@@ -13029,19 +12803,19 @@
               <a:defRPr/>
             </a:pPr>
             <a:r>
-              <a:rPr lang="ja-JP" altLang="en-US" sz="2263" b="1" dirty="0" smtClean="0"/>
+              <a:rPr lang="ja-JP" altLang="en-US" sz="2263" b="1" dirty="0"/>
               <a:t>④</a:t>
             </a:r>
             <a:r>
-              <a:rPr lang="en-US" altLang="ja-JP" sz="2263" b="1" dirty="0" smtClean="0"/>
+              <a:rPr lang="en-US" altLang="ja-JP" sz="2263" b="1" dirty="0"/>
               <a:t>0</a:t>
             </a:r>
             <a:r>
-              <a:rPr lang="ja-JP" altLang="en-US" sz="2263" b="1" dirty="0" smtClean="0"/>
+              <a:rPr lang="ja-JP" altLang="en-US" sz="2263" b="1" dirty="0"/>
               <a:t>度の時に加算する予定の速度ベクトルを、</a:t>
             </a:r>
             <a:r>
-              <a:rPr lang="en-US" altLang="ja-JP" sz="2263" b="1" dirty="0" smtClean="0">
+              <a:rPr lang="en-US" altLang="ja-JP" sz="2263" b="1" dirty="0">
                 <a:solidFill>
                   <a:srgbClr val="0000FF"/>
                 </a:solidFill>
@@ -13049,7 +12823,7 @@
               <a:t>sin</a:t>
             </a:r>
             <a:r>
-              <a:rPr lang="ja-JP" altLang="en-US" sz="2263" b="1" dirty="0" smtClean="0">
+              <a:rPr lang="ja-JP" altLang="en-US" sz="2263" b="1" dirty="0">
                 <a:solidFill>
                   <a:srgbClr val="0000FF"/>
                 </a:solidFill>
@@ -13057,7 +12831,7 @@
               <a:t>・</a:t>
             </a:r>
             <a:r>
-              <a:rPr lang="en-US" altLang="ja-JP" sz="2263" b="1" dirty="0" smtClean="0">
+              <a:rPr lang="en-US" altLang="ja-JP" sz="2263" b="1" dirty="0">
                 <a:solidFill>
                   <a:srgbClr val="0000FF"/>
                 </a:solidFill>
@@ -13065,21 +12839,17 @@
               <a:t>cos</a:t>
             </a:r>
             <a:r>
-              <a:rPr lang="ja-JP" altLang="en-US" sz="2263" b="1" dirty="0" smtClean="0"/>
+              <a:rPr lang="ja-JP" altLang="en-US" sz="2263" b="1" dirty="0"/>
               <a:t>を使って</a:t>
             </a:r>
-            <a:r>
-              <a:rPr lang="en-US" altLang="ja-JP" sz="2263" b="1" dirty="0" smtClean="0"/>
-              <a:t/>
-            </a:r>
             <a:br>
-              <a:rPr lang="en-US" altLang="ja-JP" sz="2263" b="1" dirty="0" smtClean="0"/>
+              <a:rPr lang="en-US" altLang="ja-JP" sz="2263" b="1" dirty="0"/>
             </a:br>
             <a:r>
-              <a:rPr lang="ja-JP" altLang="en-US" sz="2263" b="1" dirty="0" smtClean="0"/>
+              <a:rPr lang="ja-JP" altLang="en-US" sz="2263" b="1" dirty="0"/>
               <a:t>　 回転させる。</a:t>
             </a:r>
-            <a:endParaRPr lang="en-US" altLang="ja-JP" sz="2263" b="1" dirty="0" smtClean="0"/>
+            <a:endParaRPr lang="en-US" altLang="ja-JP" sz="2263" b="1" dirty="0"/>
           </a:p>
         </p:txBody>
       </p:sp>
@@ -13252,10 +13022,10 @@
               <a:defRPr/>
             </a:pPr>
             <a:r>
-              <a:rPr lang="ja-JP" altLang="en-US" sz="2263" b="1" dirty="0" smtClean="0"/>
+              <a:rPr lang="ja-JP" altLang="en-US" sz="2263" b="1" dirty="0"/>
               <a:t>⑤現在の座標に④の結果を加算する。</a:t>
             </a:r>
-            <a:endParaRPr lang="en-US" altLang="ja-JP" sz="2263" b="1" dirty="0" smtClean="0"/>
+            <a:endParaRPr lang="en-US" altLang="ja-JP" sz="2263" b="1" dirty="0"/>
           </a:p>
         </p:txBody>
       </p:sp>
@@ -13269,13 +13039,6 @@
   <p:clrMapOvr>
     <a:masterClrMapping/>
   </p:clrMapOvr>
-  <p:timing>
-    <p:tnLst>
-      <p:par>
-        <p:cTn id="1" dur="indefinite" restart="never" nodeType="tmRoot"/>
-      </p:par>
-    </p:tnLst>
-  </p:timing>
 </p:sld>
 </file>
 
@@ -13490,15 +13253,7 @@
             </a:pPr>
             <a:r>
               <a:rPr lang="ja-JP" altLang="en-US" sz="2263" b="1" dirty="0"/>
-              <a:t>＜</a:t>
-            </a:r>
-            <a:r>
-              <a:rPr lang="ja-JP" altLang="en-US" sz="2263" b="1" dirty="0" smtClean="0"/>
-              <a:t>どうしても分からない人向け</a:t>
-            </a:r>
-            <a:r>
-              <a:rPr lang="ja-JP" altLang="en-US" sz="2263" b="1" dirty="0"/>
-              <a:t>＞</a:t>
+              <a:t>＜どうしても分からない人向け＞</a:t>
             </a:r>
             <a:endParaRPr lang="en-US" altLang="ja-JP" sz="2263" b="1" dirty="0"/>
           </a:p>
@@ -13552,7 +13307,7 @@
         </p:nvSpPr>
         <p:spPr>
           <a:xfrm>
-            <a:off x="1331640" y="1463348"/>
+            <a:off x="1403648" y="1478561"/>
             <a:ext cx="5760640" cy="466218"/>
           </a:xfrm>
           <a:prstGeom prst="rect">
@@ -13963,18 +13718,17 @@
               <a:defRPr/>
             </a:pPr>
             <a:r>
-              <a:rPr lang="en-US" altLang="ja-JP" sz="2263" b="1" dirty="0" smtClean="0"/>
+              <a:rPr lang="en-US" altLang="ja-JP" sz="2263" b="1" dirty="0"/>
               <a:t>[</a:t>
             </a:r>
             <a:r>
-              <a:rPr lang="ja-JP" altLang="en-US" sz="2263" b="1" dirty="0" smtClean="0"/>
+              <a:rPr lang="ja-JP" altLang="en-US" sz="2263" b="1" dirty="0"/>
               <a:t>ホーミング移動の注意点</a:t>
             </a:r>
             <a:r>
-              <a:rPr lang="en-US" altLang="ja-JP" sz="2263" b="1" dirty="0" smtClean="0"/>
+              <a:rPr lang="en-US" altLang="ja-JP" sz="2263" b="1" dirty="0"/>
               <a:t>]</a:t>
             </a:r>
-            <a:endParaRPr lang="en-US" altLang="ja-JP" sz="2263" b="1" dirty="0"/>
           </a:p>
         </p:txBody>
       </p:sp>
@@ -14073,7 +13827,6 @@
             <a:avLst/>
           </a:prstGeom>
           <a:ln/>
-          <a:extLst/>
         </p:spPr>
         <p:style>
           <a:lnRef idx="2">
@@ -14208,14 +13961,13 @@
               <a:defRPr/>
             </a:pPr>
             <a:r>
-              <a:rPr lang="ja-JP" altLang="en-US" sz="2263" b="1" dirty="0" smtClean="0"/>
+              <a:rPr lang="ja-JP" altLang="en-US" sz="2263" b="1" dirty="0"/>
               <a:t>点</a:t>
             </a:r>
             <a:r>
-              <a:rPr lang="en-US" altLang="ja-JP" sz="2263" b="1" dirty="0" smtClean="0"/>
+              <a:rPr lang="en-US" altLang="ja-JP" sz="2263" b="1" dirty="0"/>
               <a:t>A</a:t>
             </a:r>
-            <a:endParaRPr lang="en-US" altLang="ja-JP" sz="2263" b="1" dirty="0"/>
           </a:p>
         </p:txBody>
       </p:sp>
@@ -14284,7 +14036,6 @@
             <a:avLst/>
           </a:prstGeom>
           <a:ln/>
-          <a:extLst/>
         </p:spPr>
         <p:style>
           <a:lnRef idx="2">
@@ -14419,7 +14170,7 @@
               <a:defRPr/>
             </a:pPr>
             <a:r>
-              <a:rPr lang="ja-JP" altLang="en-US" sz="2263" b="1" dirty="0" smtClean="0"/>
+              <a:rPr lang="ja-JP" altLang="en-US" sz="2263" b="1" dirty="0"/>
               <a:t>点</a:t>
             </a:r>
             <a:r>
@@ -14494,7 +14245,6 @@
             <a:avLst/>
           </a:prstGeom>
           <a:ln/>
-          <a:extLst/>
         </p:spPr>
         <p:style>
           <a:lnRef idx="2">
@@ -14629,7 +14379,7 @@
               <a:defRPr/>
             </a:pPr>
             <a:r>
-              <a:rPr lang="ja-JP" altLang="en-US" sz="2263" b="1" dirty="0" smtClean="0"/>
+              <a:rPr lang="ja-JP" altLang="en-US" sz="2263" b="1" dirty="0"/>
               <a:t>点</a:t>
             </a:r>
             <a:r>
@@ -14846,22 +14596,18 @@
               <a:defRPr/>
             </a:pPr>
             <a:r>
-              <a:rPr lang="ja-JP" altLang="en-US" sz="2263" b="1" dirty="0" smtClean="0"/>
+              <a:rPr lang="ja-JP" altLang="en-US" sz="2263" b="1" dirty="0"/>
               <a:t>目標との角度の誤差がわずかになった場合、</a:t>
             </a:r>
-            <a:r>
-              <a:rPr lang="en-US" altLang="ja-JP" sz="2263" b="1" dirty="0" smtClean="0"/>
-              <a:t/>
-            </a:r>
             <a:br>
-              <a:rPr lang="en-US" altLang="ja-JP" sz="2263" b="1" dirty="0" smtClean="0"/>
+              <a:rPr lang="en-US" altLang="ja-JP" sz="2263" b="1" dirty="0"/>
             </a:br>
             <a:r>
-              <a:rPr lang="ja-JP" altLang="en-US" sz="2263" b="1" dirty="0" smtClean="0"/>
+              <a:rPr lang="ja-JP" altLang="en-US" sz="2263" b="1" dirty="0"/>
               <a:t>「</a:t>
             </a:r>
             <a:r>
-              <a:rPr lang="ja-JP" altLang="en-US" sz="2263" b="1" dirty="0" smtClean="0">
+              <a:rPr lang="ja-JP" altLang="en-US" sz="2263" b="1" dirty="0">
                 <a:solidFill>
                   <a:srgbClr val="0000FF"/>
                 </a:solidFill>
@@ -14869,7 +14615,7 @@
               <a:t>必ず角度を</a:t>
             </a:r>
             <a:r>
-              <a:rPr lang="en-US" altLang="ja-JP" sz="2263" b="1" dirty="0" smtClean="0">
+              <a:rPr lang="en-US" altLang="ja-JP" sz="2263" b="1" dirty="0">
                 <a:solidFill>
                   <a:srgbClr val="0000FF"/>
                 </a:solidFill>
@@ -14877,7 +14623,7 @@
               <a:t>5</a:t>
             </a:r>
             <a:r>
-              <a:rPr lang="ja-JP" altLang="en-US" sz="2263" b="1" dirty="0" smtClean="0">
+              <a:rPr lang="ja-JP" altLang="en-US" sz="2263" b="1" dirty="0">
                 <a:solidFill>
                   <a:srgbClr val="0000FF"/>
                 </a:solidFill>
@@ -14885,22 +14631,18 @@
               <a:t>度回転させる</a:t>
             </a:r>
             <a:r>
-              <a:rPr lang="ja-JP" altLang="en-US" sz="2263" b="1" dirty="0" smtClean="0"/>
+              <a:rPr lang="ja-JP" altLang="en-US" sz="2263" b="1" dirty="0"/>
               <a:t>」などの条件を元に</a:t>
             </a:r>
-            <a:r>
-              <a:rPr lang="en-US" altLang="ja-JP" sz="2263" b="1" dirty="0" smtClean="0"/>
-              <a:t/>
-            </a:r>
             <a:br>
-              <a:rPr lang="en-US" altLang="ja-JP" sz="2263" b="1" dirty="0" smtClean="0"/>
+              <a:rPr lang="en-US" altLang="ja-JP" sz="2263" b="1" dirty="0"/>
             </a:br>
             <a:r>
-              <a:rPr lang="ja-JP" altLang="en-US" sz="2263" b="1" dirty="0" smtClean="0"/>
+              <a:rPr lang="ja-JP" altLang="en-US" sz="2263" b="1" dirty="0"/>
               <a:t>進行方向を決めると</a:t>
             </a:r>
             <a:r>
-              <a:rPr lang="ja-JP" altLang="en-US" sz="2263" b="1" dirty="0" smtClean="0">
+              <a:rPr lang="ja-JP" altLang="en-US" sz="2263" b="1" dirty="0">
                 <a:solidFill>
                   <a:srgbClr val="FF0000"/>
                 </a:solidFill>
@@ -14909,53 +14651,21 @@
             </a:r>
             <a:r>
               <a:rPr lang="ja-JP" altLang="en-US" sz="2263" b="1" dirty="0"/>
-              <a:t>事</a:t>
-            </a:r>
-            <a:r>
-              <a:rPr lang="ja-JP" altLang="en-US" sz="2263" b="1" dirty="0" smtClean="0"/>
-              <a:t>があ</a:t>
-            </a:r>
+              <a:t>事がある。</a:t>
+            </a:r>
+            <a:br>
+              <a:rPr lang="en-US" altLang="ja-JP" sz="2263" b="1" dirty="0"/>
+            </a:br>
             <a:r>
               <a:rPr lang="ja-JP" altLang="en-US" sz="2263" b="1" dirty="0"/>
-              <a:t>る</a:t>
-            </a:r>
-            <a:r>
-              <a:rPr lang="ja-JP" altLang="en-US" sz="2263" b="1" dirty="0" smtClean="0"/>
-              <a:t>。</a:t>
-            </a:r>
-            <a:r>
-              <a:rPr lang="en-US" altLang="ja-JP" sz="2263" b="1" dirty="0" smtClean="0"/>
-              <a:t/>
+              <a:t>こうなってしまった場合は、さらに一手間加える必要があるので</a:t>
             </a:r>
             <a:br>
-              <a:rPr lang="en-US" altLang="ja-JP" sz="2263" b="1" dirty="0" smtClean="0"/>
+              <a:rPr lang="en-US" altLang="ja-JP" sz="2263" b="1" dirty="0"/>
             </a:br>
             <a:r>
-              <a:rPr lang="ja-JP" altLang="en-US" sz="2263" b="1" dirty="0" smtClean="0"/>
-              <a:t>こうなってしまった場合は、さらに一手間加える必要があるので</a:t>
-            </a:r>
-            <a:r>
-              <a:rPr lang="en-US" altLang="ja-JP" sz="2263" b="1" dirty="0" smtClean="0"/>
-              <a:t/>
-            </a:r>
-            <a:br>
-              <a:rPr lang="en-US" altLang="ja-JP" sz="2263" b="1" dirty="0" smtClean="0"/>
-            </a:br>
-            <a:r>
-              <a:rPr lang="ja-JP" altLang="en-US" sz="2263" b="1" dirty="0" smtClean="0"/>
-              <a:t>自</a:t>
-            </a:r>
-            <a:r>
               <a:rPr lang="ja-JP" altLang="en-US" sz="2263" b="1" dirty="0"/>
-              <a:t>信</a:t>
-            </a:r>
-            <a:r>
-              <a:rPr lang="ja-JP" altLang="en-US" sz="2263" b="1" dirty="0" smtClean="0"/>
-              <a:t>が</a:t>
-            </a:r>
-            <a:r>
-              <a:rPr lang="ja-JP" altLang="en-US" sz="2263" b="1" dirty="0" smtClean="0"/>
-              <a:t>ある人は挑戦してみよう！</a:t>
+              <a:t>自信がある人は挑戦してみよう！</a:t>
             </a:r>
             <a:endParaRPr lang="en-US" altLang="ja-JP" sz="2263" b="1" dirty="0"/>
           </a:p>
@@ -14982,7 +14692,6 @@
               <a:srgbClr val="FF0000"/>
             </a:solidFill>
           </a:ln>
-          <a:extLst/>
         </p:spPr>
         <p:style>
           <a:lnRef idx="2">
@@ -15117,11 +14826,11 @@
               <a:defRPr/>
             </a:pPr>
             <a:r>
-              <a:rPr lang="en-US" altLang="ja-JP" sz="2263" b="1" dirty="0" smtClean="0"/>
+              <a:rPr lang="en-US" altLang="ja-JP" sz="2263" b="1" dirty="0"/>
               <a:t>1</a:t>
             </a:r>
             <a:r>
-              <a:rPr lang="ja-JP" altLang="en-US" sz="2263" b="1" dirty="0" smtClean="0"/>
+              <a:rPr lang="ja-JP" altLang="en-US" sz="2263" b="1" dirty="0"/>
               <a:t>回目の進行方向</a:t>
             </a:r>
             <a:endParaRPr lang="en-US" altLang="ja-JP" sz="2263" b="1" dirty="0"/>
@@ -15170,13 +14879,13 @@
               <a:defRPr/>
             </a:pPr>
             <a:r>
-              <a:rPr lang="ja-JP" altLang="en-US" sz="2000" b="1" dirty="0" smtClean="0">
+              <a:rPr lang="ja-JP" altLang="en-US" sz="2000" b="1" dirty="0">
                 <a:latin typeface="ＭＳ Ｐゴシック"/>
               </a:rPr>
               <a:t>次は</a:t>
             </a:r>
             <a:r>
-              <a:rPr lang="ja-JP" altLang="en-US" sz="2000" b="1" dirty="0" smtClean="0">
+              <a:rPr lang="ja-JP" altLang="en-US" sz="2000" b="1" dirty="0">
                 <a:solidFill>
                   <a:srgbClr val="0000FF"/>
                 </a:solidFill>
@@ -15185,7 +14894,7 @@
               <a:t>右に</a:t>
             </a:r>
             <a:r>
-              <a:rPr lang="en-US" altLang="ja-JP" sz="2000" b="1" dirty="0" smtClean="0">
+              <a:rPr lang="en-US" altLang="ja-JP" sz="2000" b="1" dirty="0">
                 <a:solidFill>
                   <a:srgbClr val="0000FF"/>
                 </a:solidFill>
@@ -15194,7 +14903,7 @@
               <a:t>5</a:t>
             </a:r>
             <a:r>
-              <a:rPr lang="ja-JP" altLang="en-US" sz="2000" b="1" dirty="0" smtClean="0">
+              <a:rPr lang="ja-JP" altLang="en-US" sz="2000" b="1" dirty="0">
                 <a:solidFill>
                   <a:srgbClr val="0000FF"/>
                 </a:solidFill>
@@ -15203,16 +14912,10 @@
               <a:t>度</a:t>
             </a:r>
             <a:r>
-              <a:rPr lang="ja-JP" altLang="en-US" sz="2000" b="1" dirty="0" smtClean="0">
-                <a:latin typeface="ＭＳ Ｐゴシック"/>
-              </a:rPr>
-              <a:t>回転だ</a:t>
-            </a:r>
-            <a:r>
               <a:rPr lang="ja-JP" altLang="en-US" sz="2000" b="1" dirty="0">
                 <a:latin typeface="ＭＳ Ｐゴシック"/>
               </a:rPr>
-              <a:t>！</a:t>
+              <a:t>回転だ！</a:t>
             </a:r>
           </a:p>
         </p:txBody>
@@ -15274,7 +14977,6 @@
               <a:srgbClr val="00B050"/>
             </a:solidFill>
           </a:ln>
-          <a:extLst/>
         </p:spPr>
         <p:style>
           <a:lnRef idx="2">
@@ -15409,11 +15111,11 @@
               <a:defRPr/>
             </a:pPr>
             <a:r>
-              <a:rPr lang="en-US" altLang="ja-JP" sz="2263" b="1" dirty="0" smtClean="0"/>
+              <a:rPr lang="en-US" altLang="ja-JP" sz="2263" b="1" dirty="0"/>
               <a:t>2</a:t>
             </a:r>
             <a:r>
-              <a:rPr lang="ja-JP" altLang="en-US" sz="2263" b="1" dirty="0" smtClean="0"/>
+              <a:rPr lang="ja-JP" altLang="en-US" sz="2263" b="1" dirty="0"/>
               <a:t>回目の進行方向</a:t>
             </a:r>
             <a:endParaRPr lang="en-US" altLang="ja-JP" sz="2263" b="1" dirty="0"/>
@@ -15462,13 +15164,13 @@
               <a:defRPr/>
             </a:pPr>
             <a:r>
-              <a:rPr lang="ja-JP" altLang="en-US" sz="2000" b="1" dirty="0" smtClean="0">
+              <a:rPr lang="ja-JP" altLang="en-US" sz="2000" b="1" dirty="0">
                 <a:latin typeface="ＭＳ Ｐゴシック"/>
               </a:rPr>
               <a:t>次は</a:t>
             </a:r>
             <a:r>
-              <a:rPr lang="ja-JP" altLang="en-US" sz="2000" b="1" dirty="0" smtClean="0">
+              <a:rPr lang="ja-JP" altLang="en-US" sz="2000" b="1" dirty="0">
                 <a:solidFill>
                   <a:srgbClr val="0000FF"/>
                 </a:solidFill>
@@ -15477,7 +15179,7 @@
               <a:t>左に</a:t>
             </a:r>
             <a:r>
-              <a:rPr lang="en-US" altLang="ja-JP" sz="2000" b="1" dirty="0" smtClean="0">
+              <a:rPr lang="en-US" altLang="ja-JP" sz="2000" b="1" dirty="0">
                 <a:solidFill>
                   <a:srgbClr val="0000FF"/>
                 </a:solidFill>
@@ -15486,7 +15188,7 @@
               <a:t>5</a:t>
             </a:r>
             <a:r>
-              <a:rPr lang="ja-JP" altLang="en-US" sz="2000" b="1" dirty="0" smtClean="0">
+              <a:rPr lang="ja-JP" altLang="en-US" sz="2000" b="1" dirty="0">
                 <a:solidFill>
                   <a:srgbClr val="0000FF"/>
                 </a:solidFill>
@@ -15495,16 +15197,10 @@
               <a:t>度</a:t>
             </a:r>
             <a:r>
-              <a:rPr lang="ja-JP" altLang="en-US" sz="2000" b="1" dirty="0" smtClean="0">
-                <a:latin typeface="ＭＳ Ｐゴシック"/>
-              </a:rPr>
-              <a:t>回転だ</a:t>
-            </a:r>
-            <a:r>
               <a:rPr lang="ja-JP" altLang="en-US" sz="2000" b="1" dirty="0">
                 <a:latin typeface="ＭＳ Ｐゴシック"/>
               </a:rPr>
-              <a:t>！</a:t>
+              <a:t>回転だ！</a:t>
             </a:r>
           </a:p>
         </p:txBody>
@@ -15519,13 +15215,6 @@
   <p:clrMapOvr>
     <a:masterClrMapping/>
   </p:clrMapOvr>
-  <p:timing>
-    <p:tnLst>
-      <p:par>
-        <p:cTn id="1" dur="indefinite" restart="never" nodeType="tmRoot"/>
-      </p:par>
-    </p:tnLst>
-  </p:timing>
 </p:sld>
 </file>
 
